--- a/E-Card.pptx
+++ b/E-Card.pptx
@@ -2691,8 +2691,8 @@
         </p:nvSpPr>
         <p:spPr>
           <a:xfrm>
-            <a:off x="-18415" y="2020570"/>
-            <a:ext cx="12228195" cy="2346325"/>
+            <a:off x="-12700" y="2020570"/>
+            <a:ext cx="12222480" cy="2346325"/>
           </a:xfrm>
           <a:prstGeom prst="rect">
             <a:avLst/>
@@ -2744,8 +2744,8 @@
         </p:blipFill>
         <p:spPr>
           <a:xfrm>
-            <a:off x="2835910" y="3418205"/>
-            <a:ext cx="1677035" cy="1677035"/>
+            <a:off x="2307590" y="2980055"/>
+            <a:ext cx="2205355" cy="2115185"/>
           </a:xfrm>
           <a:prstGeom prst="rect">
             <a:avLst/>
@@ -2814,7 +2814,7 @@
         </p:blipFill>
         <p:spPr>
           <a:xfrm>
-            <a:off x="479425" y="1530985"/>
+            <a:off x="464185" y="1483995"/>
             <a:ext cx="1741170" cy="4433570"/>
           </a:xfrm>
           <a:prstGeom prst="rect">
@@ -2896,8 +2896,8 @@
         </p:nvSpPr>
         <p:spPr>
           <a:xfrm rot="8160000">
-            <a:off x="2827020" y="3763645"/>
-            <a:ext cx="926465" cy="934720"/>
+            <a:off x="2316480" y="3471545"/>
+            <a:ext cx="1151255" cy="1131570"/>
           </a:xfrm>
           <a:prstGeom prst="teardrop">
             <a:avLst/>
@@ -2944,8 +2944,8 @@
         </p:nvSpPr>
         <p:spPr>
           <a:xfrm>
-            <a:off x="2894965" y="3844290"/>
-            <a:ext cx="783590" cy="754380"/>
+            <a:off x="2364105" y="3525520"/>
+            <a:ext cx="1047750" cy="1026160"/>
           </a:xfrm>
           <a:prstGeom prst="ellipse">
             <a:avLst/>
@@ -2989,8 +2989,8 @@
         </p:nvSpPr>
         <p:spPr>
           <a:xfrm>
-            <a:off x="2846705" y="3977640"/>
-            <a:ext cx="1153160" cy="460375"/>
+            <a:off x="2364105" y="3559175"/>
+            <a:ext cx="1335405" cy="798830"/>
           </a:xfrm>
           <a:prstGeom prst="rect">
             <a:avLst/>
@@ -3003,7 +3003,7 @@
           </a:bodyPr>
           <a:p>
             <a:r>
-              <a:rPr lang="en-US" sz="2400" b="1">
+              <a:rPr lang="en-US" sz="3200" b="1">
                 <a:solidFill>
                   <a:srgbClr val="E17760"/>
                 </a:solidFill>
@@ -3012,7 +3012,27 @@
               </a:rPr>
               <a:t>29th</a:t>
             </a:r>
-            <a:endParaRPr lang="en-US" sz="2400" b="1">
+            <a:endParaRPr lang="en-US" sz="3200" b="1">
+              <a:solidFill>
+                <a:srgbClr val="E17760"/>
+              </a:solidFill>
+              <a:latin typeface="Noteworthy Bold" panose="02000400000000000000" charset="0"/>
+              <a:cs typeface="Noteworthy Bold" panose="02000400000000000000" charset="0"/>
+            </a:endParaRPr>
+          </a:p>
+          <a:p>
+            <a:pPr algn="l"/>
+            <a:r>
+              <a:rPr lang="en-US" sz="1400" b="1">
+                <a:solidFill>
+                  <a:srgbClr val="E17760"/>
+                </a:solidFill>
+                <a:latin typeface="Noteworthy Bold" panose="02000400000000000000" charset="0"/>
+                <a:cs typeface="Noteworthy Bold" panose="02000400000000000000" charset="0"/>
+              </a:rPr>
+              <a:t>10:30 AM</a:t>
+            </a:r>
+            <a:endParaRPr lang="en-US" sz="1400" b="1">
               <a:solidFill>
                 <a:srgbClr val="E17760"/>
               </a:solidFill>
@@ -3038,8 +3058,8 @@
         </p:blipFill>
         <p:spPr>
           <a:xfrm>
-            <a:off x="8187690" y="3469640"/>
-            <a:ext cx="1247775" cy="1516380"/>
+            <a:off x="8180070" y="3103880"/>
+            <a:ext cx="1561465" cy="1898015"/>
           </a:xfrm>
           <a:prstGeom prst="rect">
             <a:avLst/>
@@ -3054,8 +3074,8 @@
         </p:nvSpPr>
         <p:spPr>
           <a:xfrm rot="16200000">
-            <a:off x="6134100" y="3018790"/>
-            <a:ext cx="1144905" cy="2621915"/>
+            <a:off x="5893435" y="2390140"/>
+            <a:ext cx="1144905" cy="3103245"/>
           </a:xfrm>
           <a:prstGeom prst="wedgeRoundRectCallout">
             <a:avLst/>
@@ -3106,8 +3126,8 @@
         </p:nvSpPr>
         <p:spPr>
           <a:xfrm>
-            <a:off x="5464175" y="3844290"/>
-            <a:ext cx="2458085" cy="926465"/>
+            <a:off x="5004435" y="3478530"/>
+            <a:ext cx="2877185" cy="926465"/>
           </a:xfrm>
           <a:prstGeom prst="flowChartAlternateProcess">
             <a:avLst/>
@@ -3151,8 +3171,8 @@
         </p:nvSpPr>
         <p:spPr>
           <a:xfrm>
-            <a:off x="5476240" y="3856990"/>
-            <a:ext cx="2541270" cy="860425"/>
+            <a:off x="4799330" y="3422650"/>
+            <a:ext cx="3320415" cy="1014730"/>
           </a:xfrm>
           <a:prstGeom prst="rect">
             <a:avLst/>
@@ -3190,14 +3210,14 @@
               <a:t>,</a:t>
             </a:r>
             <a:r>
-              <a:rPr lang="en-US" sz="1000">
+              <a:rPr lang="en-US" sz="1000" b="1">
                 <a:latin typeface="Bodoni 72 Smallcaps" panose="00000400000000000000" charset="0"/>
                 <a:ea typeface="Apple SD Gothic Neo Regular" panose="02000300000000000000" charset="-127"/>
                 <a:cs typeface="Bodoni 72 Smallcaps" panose="00000400000000000000" charset="0"/>
               </a:rPr>
               <a:t> </a:t>
             </a:r>
-            <a:endParaRPr lang="en-US" sz="1000">
+            <a:endParaRPr lang="en-US" sz="1000" b="1">
               <a:latin typeface="Bodoni 72 Smallcaps" panose="00000400000000000000" charset="0"/>
               <a:ea typeface="Apple SD Gothic Neo Regular" panose="02000300000000000000" charset="-127"/>
               <a:cs typeface="Bodoni 72 Smallcaps" panose="00000400000000000000" charset="0"/>
@@ -3214,32 +3234,24 @@
               <a:t>Hirisave</a:t>
             </a:r>
             <a:r>
-              <a:rPr lang="en-US" sz="1400">
+              <a:rPr lang="en-US" sz="1400" b="1">
                 <a:latin typeface="Bodoni 72 Smallcaps" panose="00000400000000000000" charset="0"/>
                 <a:ea typeface="Apple SD Gothic Neo Regular" panose="02000300000000000000" charset="-127"/>
                 <a:cs typeface="Bodoni 72 Smallcaps" panose="00000400000000000000" charset="0"/>
               </a:rPr>
-              <a:t>, </a:t>
+              <a:t>,</a:t>
             </a:r>
-            <a:endParaRPr lang="en-US" sz="1000">
-              <a:latin typeface="Bodoni 72 Smallcaps" panose="00000400000000000000" charset="0"/>
-              <a:ea typeface="Apple SD Gothic Neo Regular" panose="02000300000000000000" charset="-127"/>
-              <a:cs typeface="Bodoni 72 Smallcaps" panose="00000400000000000000" charset="0"/>
-            </a:endParaRPr>
-          </a:p>
-          <a:p>
-            <a:pPr algn="ctr"/>
             <a:r>
-              <a:rPr lang="en-US" sz="1000" b="1">
+              <a:rPr lang="en-US" sz="2000" b="1">
                 <a:latin typeface="Bodoni 72 Smallcaps" panose="00000400000000000000" charset="0"/>
-                <a:ea typeface="Apple SD Gothic Neo Regular" panose="02000300000000000000" charset="-127"/>
+                <a:ea typeface="Apple SD Gothic Neo Bold" panose="02000300000000000000" charset="-127"/>
                 <a:cs typeface="Bodoni 72 Smallcaps" panose="00000400000000000000" charset="0"/>
               </a:rPr>
               <a:t>Channarayapatna, Hassan</a:t>
             </a:r>
-            <a:endParaRPr lang="en-US" sz="1000" b="1">
+            <a:endParaRPr lang="en-US" sz="2000" b="1">
               <a:latin typeface="Bodoni 72 Smallcaps" panose="00000400000000000000" charset="0"/>
-              <a:ea typeface="Apple SD Gothic Neo Regular" panose="02000300000000000000" charset="-127"/>
+              <a:ea typeface="Apple SD Gothic Neo Bold" panose="02000300000000000000" charset="-127"/>
               <a:cs typeface="Bodoni 72 Smallcaps" panose="00000400000000000000" charset="0"/>
             </a:endParaRPr>
           </a:p>
@@ -3487,8 +3499,8 @@
         </p:nvSpPr>
         <p:spPr>
           <a:xfrm>
-            <a:off x="7976870" y="1749425"/>
-            <a:ext cx="1670685" cy="953135"/>
+            <a:off x="8016875" y="1749425"/>
+            <a:ext cx="1630680" cy="953135"/>
           </a:xfrm>
           <a:prstGeom prst="rect">
             <a:avLst/>
@@ -3544,7 +3556,7 @@
         </p:nvSpPr>
         <p:spPr>
           <a:xfrm>
-            <a:off x="4130040" y="1499235"/>
+            <a:off x="4130040" y="1040130"/>
             <a:ext cx="3751580" cy="2072640"/>
           </a:xfrm>
           <a:prstGeom prst="verticalScroll">
@@ -3595,7 +3607,7 @@
         </p:nvSpPr>
         <p:spPr>
           <a:xfrm>
-            <a:off x="4512945" y="1833880"/>
+            <a:off x="4512945" y="1374140"/>
             <a:ext cx="2985135" cy="1635760"/>
           </a:xfrm>
           <a:prstGeom prst="roundRect">
@@ -3640,7 +3652,7 @@
         </p:nvSpPr>
         <p:spPr>
           <a:xfrm>
-            <a:off x="4634230" y="1906270"/>
+            <a:off x="4634230" y="1446530"/>
             <a:ext cx="3094990" cy="645160"/>
           </a:xfrm>
           <a:prstGeom prst="rect">
@@ -3681,7 +3693,7 @@
         </p:nvSpPr>
         <p:spPr>
           <a:xfrm>
-            <a:off x="4446905" y="2369185"/>
+            <a:off x="4446905" y="1909445"/>
             <a:ext cx="3117215" cy="953135"/>
           </a:xfrm>
           <a:prstGeom prst="rect">
@@ -3696,13 +3708,13 @@
           <a:p>
             <a:pPr algn="ctr"/>
             <a:r>
-              <a:rPr lang="en-US" sz="1400">
+              <a:rPr lang="en-US" sz="1400" b="1">
                 <a:latin typeface="STSong" panose="02010600040101010101" charset="-122"/>
                 <a:ea typeface="STSong" panose="02010600040101010101" charset="-122"/>
               </a:rPr>
-              <a:t>We graciously invite you to honour us with your presence &amp; blessings on auspicious occasion of the Weeding Ceremony</a:t>
+              <a:t>We graciously invite you to honour us with your presence &amp; blessings on auspicious occasion of the Wedding Ceremony.</a:t>
             </a:r>
-            <a:endParaRPr lang="en-US" sz="1400">
+            <a:endParaRPr lang="en-US" sz="1400" b="1">
               <a:latin typeface="STSong" panose="02010600040101010101" charset="-122"/>
               <a:ea typeface="STSong" panose="02010600040101010101" charset="-122"/>
             </a:endParaRPr>
@@ -3961,20 +3973,20 @@
       </p:pic>
       <p:sp>
         <p:nvSpPr>
-          <p:cNvPr id="62" name="Rectangular Callout 61"/>
+          <p:cNvPr id="62" name="Chevron 61"/>
           <p:cNvSpPr/>
           <p:nvPr/>
         </p:nvSpPr>
         <p:spPr>
-          <a:xfrm>
-            <a:off x="10167620" y="1303655"/>
-            <a:ext cx="1240155" cy="530225"/>
+          <a:xfrm rot="10800000">
+            <a:off x="10069830" y="1255395"/>
+            <a:ext cx="1432560" cy="407670"/>
           </a:xfrm>
-          <a:prstGeom prst="wedgeRectCallout">
+          <a:prstGeom prst="chevron">
             <a:avLst/>
           </a:prstGeom>
           <a:solidFill>
-            <a:srgbClr val="7030A0"/>
+            <a:srgbClr val="9FD7E8"/>
           </a:solidFill>
         </p:spPr>
         <p:style>
@@ -4009,7 +4021,7 @@
         </p:nvSpPr>
         <p:spPr>
           <a:xfrm>
-            <a:off x="10261600" y="1381760"/>
+            <a:off x="10261600" y="1256030"/>
             <a:ext cx="1060450" cy="394335"/>
           </a:xfrm>
           <a:prstGeom prst="flowChartAlternateProcess">
@@ -4051,7 +4063,7 @@
         </p:nvSpPr>
         <p:spPr>
           <a:xfrm>
-            <a:off x="10330815" y="1381125"/>
+            <a:off x="10330815" y="1255395"/>
             <a:ext cx="991235" cy="368300"/>
           </a:xfrm>
           <a:prstGeom prst="rect">
@@ -4074,20 +4086,20 @@
       </p:sp>
       <p:sp>
         <p:nvSpPr>
-          <p:cNvPr id="66" name="Rectangular Callout 65"/>
+          <p:cNvPr id="66" name="Chevron 65"/>
           <p:cNvSpPr/>
           <p:nvPr/>
         </p:nvSpPr>
         <p:spPr>
           <a:xfrm>
-            <a:off x="1153795" y="1132840"/>
-            <a:ext cx="1240155" cy="530225"/>
+            <a:off x="1064895" y="1115060"/>
+            <a:ext cx="1397000" cy="422275"/>
           </a:xfrm>
-          <a:prstGeom prst="wedgeRectCallout">
+          <a:prstGeom prst="chevron">
             <a:avLst/>
           </a:prstGeom>
           <a:solidFill>
-            <a:srgbClr val="7030A0"/>
+            <a:srgbClr val="9FD7E8"/>
           </a:solidFill>
         </p:spPr>
         <p:style>
@@ -4122,7 +4134,7 @@
         </p:nvSpPr>
         <p:spPr>
           <a:xfrm>
-            <a:off x="1247775" y="1210945"/>
+            <a:off x="1247775" y="1130935"/>
             <a:ext cx="1060450" cy="394335"/>
           </a:xfrm>
           <a:prstGeom prst="flowChartAlternateProcess">
@@ -4164,7 +4176,7 @@
         </p:nvSpPr>
         <p:spPr>
           <a:xfrm>
-            <a:off x="1266190" y="1210310"/>
+            <a:off x="1247775" y="1130300"/>
             <a:ext cx="1076325" cy="368300"/>
           </a:xfrm>
           <a:prstGeom prst="rect">
@@ -4182,6 +4194,104 @@
               <a:t>Where ?</a:t>
             </a:r>
             <a:endParaRPr lang="en-US" b="1"/>
+          </a:p>
+        </p:txBody>
+      </p:sp>
+      <p:pic>
+        <p:nvPicPr>
+          <p:cNvPr id="4" name="Picture 3"/>
+          <p:cNvPicPr>
+            <a:picLocks noChangeAspect="1"/>
+          </p:cNvPicPr>
+          <p:nvPr/>
+        </p:nvPicPr>
+        <p:blipFill>
+          <a:blip r:embed="rId8"/>
+          <a:stretch>
+            <a:fillRect/>
+          </a:stretch>
+        </p:blipFill>
+        <p:spPr>
+          <a:xfrm>
+            <a:off x="2741930" y="2020570"/>
+            <a:ext cx="979805" cy="629920"/>
+          </a:xfrm>
+          <a:prstGeom prst="rect">
+            <a:avLst/>
+          </a:prstGeom>
+        </p:spPr>
+      </p:pic>
+      <p:pic>
+        <p:nvPicPr>
+          <p:cNvPr id="9" name="Picture 8"/>
+          <p:cNvPicPr>
+            <a:picLocks noChangeAspect="1"/>
+          </p:cNvPicPr>
+          <p:nvPr/>
+        </p:nvPicPr>
+        <p:blipFill>
+          <a:blip r:embed="rId9"/>
+          <a:stretch>
+            <a:fillRect/>
+          </a:stretch>
+        </p:blipFill>
+        <p:spPr>
+          <a:xfrm>
+            <a:off x="8190230" y="2022475"/>
+            <a:ext cx="1237615" cy="445770"/>
+          </a:xfrm>
+          <a:prstGeom prst="rect">
+            <a:avLst/>
+          </a:prstGeom>
+        </p:spPr>
+      </p:pic>
+      <p:sp>
+        <p:nvSpPr>
+          <p:cNvPr id="11" name="Text Box 10"/>
+          <p:cNvSpPr txBox="1"/>
+          <p:nvPr/>
+        </p:nvSpPr>
+        <p:spPr>
+          <a:xfrm>
+            <a:off x="2205355" y="4603115"/>
+            <a:ext cx="7280275" cy="398780"/>
+          </a:xfrm>
+          <a:prstGeom prst="rect">
+            <a:avLst/>
+          </a:prstGeom>
+          <a:noFill/>
+        </p:spPr>
+        <p:txBody>
+          <a:bodyPr wrap="square" rtlCol="0">
+            <a:spAutoFit/>
+          </a:bodyPr>
+          <a:p>
+            <a:pPr algn="ctr"/>
+            <a:r>
+              <a:rPr lang="en-US" sz="2000" b="1">
+                <a:solidFill>
+                  <a:schemeClr val="accent1">
+                    <a:lumMod val="50000"/>
+                  </a:schemeClr>
+                </a:solidFill>
+                <a:latin typeface="Noteworthy Bold" panose="02000400000000000000" charset="0"/>
+                <a:ea typeface="STSong" panose="02010600040101010101" charset="-122"/>
+                <a:cs typeface="Noteworthy Bold" panose="02000400000000000000" charset="0"/>
+                <a:sym typeface="+mn-ea"/>
+              </a:rPr>
+              <a:t>Reception to follow.....</a:t>
+            </a:r>
+            <a:endParaRPr lang="en-US" sz="2000" b="1">
+              <a:solidFill>
+                <a:schemeClr val="accent1">
+                  <a:lumMod val="50000"/>
+                </a:schemeClr>
+              </a:solidFill>
+              <a:latin typeface="Noteworthy Bold" panose="02000400000000000000" charset="0"/>
+              <a:ea typeface="STSong" panose="02010600040101010101" charset="-122"/>
+              <a:cs typeface="Noteworthy Bold" panose="02000400000000000000" charset="0"/>
+              <a:sym typeface="+mn-ea"/>
+            </a:endParaRPr>
           </a:p>
         </p:txBody>
       </p:sp>
@@ -4727,708 +4837,28 @@
                             </p:stCondLst>
                             <p:childTnLst>
                               <p:par>
-                                <p:cTn id="37" presetID="20" presetClass="entr" presetSubtype="0" fill="hold" grpId="4" nodeType="afterEffect">
+                                <p:cTn id="37" presetID="10" presetClass="exit" presetSubtype="0" fill="hold" grpId="21" nodeType="afterEffect">
                                   <p:stCondLst>
                                     <p:cond delay="1000"/>
                                   </p:stCondLst>
                                   <p:childTnLst>
-                                    <p:set>
-                                      <p:cBhvr>
-                                        <p:cTn id="38" dur="1" fill="hold">
-                                          <p:stCondLst>
-                                            <p:cond delay="0"/>
-                                          </p:stCondLst>
-                                        </p:cTn>
-                                        <p:tgtEl>
-                                          <p:spTgt spid="42"/>
-                                        </p:tgtEl>
-                                        <p:attrNameLst>
-                                          <p:attrName>style.visibility</p:attrName>
-                                        </p:attrNameLst>
-                                      </p:cBhvr>
-                                      <p:to>
-                                        <p:strVal val="visible"/>
-                                      </p:to>
-                                    </p:set>
-                                    <p:animEffect transition="in" filter="wedge">
-                                      <p:cBhvr>
-                                        <p:cTn id="39" dur="1000"/>
-                                        <p:tgtEl>
-                                          <p:spTgt spid="42"/>
-                                        </p:tgtEl>
-                                      </p:cBhvr>
-                                    </p:animEffect>
-                                  </p:childTnLst>
-                                </p:cTn>
-                              </p:par>
-                              <p:par>
-                                <p:cTn id="40" presetID="20" presetClass="entr" presetSubtype="0" fill="hold" grpId="4" nodeType="withEffect">
-                                  <p:stCondLst>
-                                    <p:cond delay="1000"/>
-                                  </p:stCondLst>
-                                  <p:childTnLst>
-                                    <p:set>
-                                      <p:cBhvr>
-                                        <p:cTn id="41" dur="1" fill="hold">
-                                          <p:stCondLst>
-                                            <p:cond delay="0"/>
-                                          </p:stCondLst>
-                                        </p:cTn>
-                                        <p:tgtEl>
-                                          <p:spTgt spid="44"/>
-                                        </p:tgtEl>
-                                        <p:attrNameLst>
-                                          <p:attrName>style.visibility</p:attrName>
-                                        </p:attrNameLst>
-                                      </p:cBhvr>
-                                      <p:to>
-                                        <p:strVal val="visible"/>
-                                      </p:to>
-                                    </p:set>
-                                    <p:animEffect transition="in" filter="wedge">
-                                      <p:cBhvr>
-                                        <p:cTn id="42" dur="2000"/>
-                                        <p:tgtEl>
-                                          <p:spTgt spid="44"/>
-                                        </p:tgtEl>
-                                      </p:cBhvr>
-                                    </p:animEffect>
-                                  </p:childTnLst>
-                                </p:cTn>
-                              </p:par>
-                            </p:childTnLst>
-                          </p:cTn>
-                        </p:par>
-                        <p:par>
-                          <p:cTn id="43" fill="hold">
-                            <p:stCondLst>
-                              <p:cond delay="4000"/>
-                            </p:stCondLst>
-                            <p:childTnLst>
-                              <p:par>
-                                <p:cTn id="44" presetID="51" presetClass="entr" presetSubtype="0" fill="hold" grpId="12" nodeType="afterEffect">
-                                  <p:stCondLst>
-                                    <p:cond delay="1000"/>
-                                  </p:stCondLst>
-                                  <p:childTnLst>
-                                    <p:set>
-                                      <p:cBhvr>
-                                        <p:cTn id="45" dur="1" fill="hold">
-                                          <p:stCondLst>
-                                            <p:cond delay="0"/>
-                                          </p:stCondLst>
-                                        </p:cTn>
-                                        <p:tgtEl>
-                                          <p:spTgt spid="45"/>
-                                        </p:tgtEl>
-                                        <p:attrNameLst>
-                                          <p:attrName>style.visibility</p:attrName>
-                                        </p:attrNameLst>
-                                      </p:cBhvr>
-                                      <p:to>
-                                        <p:strVal val="visible"/>
-                                      </p:to>
-                                    </p:set>
-                                    <p:animEffect transition="in" filter="fade">
-                                      <p:cBhvr>
-                                        <p:cTn id="46" dur="770" decel="100000"/>
-                                        <p:tgtEl>
-                                          <p:spTgt spid="45"/>
-                                        </p:tgtEl>
-                                      </p:cBhvr>
-                                    </p:animEffect>
-                                    <p:animScale>
-                                      <p:cBhvr>
-                                        <p:cTn id="47" dur="770" decel="100000"/>
-                                        <p:tgtEl>
-                                          <p:spTgt spid="45"/>
-                                        </p:tgtEl>
-                                      </p:cBhvr>
-                                      <p:from x="10000" y="10000"/>
-                                      <p:to x="200000" y="450000"/>
-                                    </p:animScale>
-                                    <p:animScale>
-                                      <p:cBhvr>
-                                        <p:cTn id="48" dur="1230" accel="100000" fill="hold">
-                                          <p:stCondLst>
-                                            <p:cond delay="770"/>
-                                          </p:stCondLst>
-                                        </p:cTn>
-                                        <p:tgtEl>
-                                          <p:spTgt spid="45"/>
-                                        </p:tgtEl>
-                                      </p:cBhvr>
-                                      <p:from x="200000" y="450000"/>
-                                      <p:to x="100000" y="100000"/>
-                                    </p:animScale>
-                                    <p:set>
-                                      <p:cBhvr>
-                                        <p:cTn id="49" dur="770" fill="hold"/>
-                                        <p:tgtEl>
-                                          <p:spTgt spid="45"/>
-                                        </p:tgtEl>
-                                        <p:attrNameLst>
-                                          <p:attrName>ppt_x</p:attrName>
-                                        </p:attrNameLst>
-                                      </p:cBhvr>
-                                      <p:to>
-                                        <p:strVal val="(0.5)"/>
-                                      </p:to>
-                                    </p:set>
-                                    <p:anim from="(0.5)" to="(#ppt_x)" calcmode="lin" valueType="num">
-                                      <p:cBhvr>
-                                        <p:cTn id="50" dur="1230" accel="100000" fill="hold">
-                                          <p:stCondLst>
-                                            <p:cond delay="770"/>
-                                          </p:stCondLst>
-                                        </p:cTn>
-                                        <p:tgtEl>
-                                          <p:spTgt spid="45"/>
-                                        </p:tgtEl>
-                                        <p:attrNameLst>
-                                          <p:attrName>ppt_x</p:attrName>
-                                        </p:attrNameLst>
-                                      </p:cBhvr>
-                                    </p:anim>
-                                    <p:set>
-                                      <p:cBhvr>
-                                        <p:cTn id="51" dur="770" fill="hold"/>
-                                        <p:tgtEl>
-                                          <p:spTgt spid="45"/>
-                                        </p:tgtEl>
-                                        <p:attrNameLst>
-                                          <p:attrName>ppt_y</p:attrName>
-                                        </p:attrNameLst>
-                                      </p:cBhvr>
-                                      <p:to>
-                                        <p:strVal val="(#ppt_y+0.4)"/>
-                                      </p:to>
-                                    </p:set>
-                                    <p:anim from="(#ppt_y+0.4)" to="(#ppt_y)" calcmode="lin" valueType="num">
-                                      <p:cBhvr>
-                                        <p:cTn id="52" dur="1230" accel="100000" fill="hold">
-                                          <p:stCondLst>
-                                            <p:cond delay="770"/>
-                                          </p:stCondLst>
-                                        </p:cTn>
-                                        <p:tgtEl>
-                                          <p:spTgt spid="45"/>
-                                        </p:tgtEl>
-                                        <p:attrNameLst>
-                                          <p:attrName>ppt_y</p:attrName>
-                                        </p:attrNameLst>
-                                      </p:cBhvr>
-                                    </p:anim>
-                                  </p:childTnLst>
-                                </p:cTn>
-                              </p:par>
-                            </p:childTnLst>
-                          </p:cTn>
-                        </p:par>
-                        <p:par>
-                          <p:cTn id="53" fill="hold">
-                            <p:stCondLst>
-                              <p:cond delay="7000"/>
-                            </p:stCondLst>
-                            <p:childTnLst>
-                              <p:par>
-                                <p:cTn id="54" presetID="41" presetClass="entr" presetSubtype="0" fill="hold" grpId="14" nodeType="afterEffect">
-                                  <p:stCondLst>
-                                    <p:cond delay="1000"/>
-                                  </p:stCondLst>
-                                  <p:iterate type="lt">
-                                    <p:tmPct val="10000"/>
-                                  </p:iterate>
-                                  <p:childTnLst>
-                                    <p:set>
-                                      <p:cBhvr>
-                                        <p:cTn id="55" dur="1" fill="hold">
-                                          <p:stCondLst>
-                                            <p:cond delay="0"/>
-                                          </p:stCondLst>
-                                        </p:cTn>
-                                        <p:tgtEl>
-                                          <p:spTgt spid="46"/>
-                                        </p:tgtEl>
-                                        <p:attrNameLst>
-                                          <p:attrName>style.visibility</p:attrName>
-                                        </p:attrNameLst>
-                                      </p:cBhvr>
-                                      <p:to>
-                                        <p:strVal val="visible"/>
-                                      </p:to>
-                                    </p:set>
-                                    <p:anim calcmode="lin" valueType="num">
-                                      <p:cBhvr>
-                                        <p:cTn id="56" dur="500" fill="hold"/>
-                                        <p:tgtEl>
-                                          <p:spTgt spid="46"/>
-                                        </p:tgtEl>
-                                        <p:attrNameLst>
-                                          <p:attrName>ppt_x</p:attrName>
-                                        </p:attrNameLst>
-                                      </p:cBhvr>
-                                      <p:tavLst>
-                                        <p:tav tm="0">
-                                          <p:val>
-                                            <p:strVal val="#ppt_x"/>
-                                          </p:val>
-                                        </p:tav>
-                                        <p:tav tm="50000">
-                                          <p:val>
-                                            <p:strVal val="#ppt_x+.1"/>
-                                          </p:val>
-                                        </p:tav>
-                                        <p:tav tm="100000">
-                                          <p:val>
-                                            <p:strVal val="#ppt_x"/>
-                                          </p:val>
-                                        </p:tav>
-                                      </p:tavLst>
-                                    </p:anim>
-                                    <p:anim calcmode="lin" valueType="num">
-                                      <p:cBhvr>
-                                        <p:cTn id="57" dur="500" fill="hold"/>
-                                        <p:tgtEl>
-                                          <p:spTgt spid="46"/>
-                                        </p:tgtEl>
-                                        <p:attrNameLst>
-                                          <p:attrName>ppt_y</p:attrName>
-                                        </p:attrNameLst>
-                                      </p:cBhvr>
-                                      <p:tavLst>
-                                        <p:tav tm="0">
-                                          <p:val>
-                                            <p:strVal val="#ppt_y"/>
-                                          </p:val>
-                                        </p:tav>
-                                        <p:tav tm="100000">
-                                          <p:val>
-                                            <p:strVal val="#ppt_y"/>
-                                          </p:val>
-                                        </p:tav>
-                                      </p:tavLst>
-                                    </p:anim>
-                                    <p:anim calcmode="lin" valueType="num">
-                                      <p:cBhvr>
-                                        <p:cTn id="58" dur="500" fill="hold"/>
-                                        <p:tgtEl>
-                                          <p:spTgt spid="46"/>
-                                        </p:tgtEl>
-                                        <p:attrNameLst>
-                                          <p:attrName>ppt_h</p:attrName>
-                                        </p:attrNameLst>
-                                      </p:cBhvr>
-                                      <p:tavLst>
-                                        <p:tav tm="0">
-                                          <p:val>
-                                            <p:strVal val="#ppt_h/10"/>
-                                          </p:val>
-                                        </p:tav>
-                                        <p:tav tm="50000">
-                                          <p:val>
-                                            <p:strVal val="#ppt_h+.01"/>
-                                          </p:val>
-                                        </p:tav>
-                                        <p:tav tm="100000">
-                                          <p:val>
-                                            <p:strVal val="#ppt_h"/>
-                                          </p:val>
-                                        </p:tav>
-                                      </p:tavLst>
-                                    </p:anim>
-                                    <p:anim calcmode="lin" valueType="num">
-                                      <p:cBhvr>
-                                        <p:cTn id="59" dur="500" fill="hold"/>
-                                        <p:tgtEl>
-                                          <p:spTgt spid="46"/>
-                                        </p:tgtEl>
-                                        <p:attrNameLst>
-                                          <p:attrName>ppt_w</p:attrName>
-                                        </p:attrNameLst>
-                                      </p:cBhvr>
-                                      <p:tavLst>
-                                        <p:tav tm="0">
-                                          <p:val>
-                                            <p:strVal val="#ppt_w/10"/>
-                                          </p:val>
-                                        </p:tav>
-                                        <p:tav tm="50000">
-                                          <p:val>
-                                            <p:strVal val="#ppt_w+.01"/>
-                                          </p:val>
-                                        </p:tav>
-                                        <p:tav tm="100000">
-                                          <p:val>
-                                            <p:strVal val="#ppt_w"/>
-                                          </p:val>
-                                        </p:tav>
-                                      </p:tavLst>
-                                    </p:anim>
-                                    <p:animEffect transition="in" filter="fade">
-                                      <p:cBhvr>
-                                        <p:cTn id="60" dur="500" tmFilter="0,0; .5, 1; 1, 1"/>
-                                        <p:tgtEl>
-                                          <p:spTgt spid="46"/>
-                                        </p:tgtEl>
-                                      </p:cBhvr>
-                                    </p:animEffect>
-                                  </p:childTnLst>
-                                </p:cTn>
-                              </p:par>
-                            </p:childTnLst>
-                          </p:cTn>
-                        </p:par>
-                        <p:par>
-                          <p:cTn id="61" fill="hold">
-                            <p:stCondLst>
-                              <p:cond delay="15200"/>
-                            </p:stCondLst>
-                            <p:childTnLst>
-                              <p:par>
-                                <p:cTn id="62" presetID="49" presetClass="entr" presetSubtype="0" decel="100000" fill="hold" grpId="11" nodeType="afterEffect">
-                                  <p:stCondLst>
-                                    <p:cond delay="1000"/>
-                                  </p:stCondLst>
-                                  <p:childTnLst>
-                                    <p:set>
-                                      <p:cBhvr>
-                                        <p:cTn id="63" dur="1" fill="hold">
-                                          <p:stCondLst>
-                                            <p:cond delay="0"/>
-                                          </p:stCondLst>
-                                        </p:cTn>
-                                        <p:tgtEl>
-                                          <p:spTgt spid="62"/>
-                                        </p:tgtEl>
-                                        <p:attrNameLst>
-                                          <p:attrName>style.visibility</p:attrName>
-                                        </p:attrNameLst>
-                                      </p:cBhvr>
-                                      <p:to>
-                                        <p:strVal val="visible"/>
-                                      </p:to>
-                                    </p:set>
-                                    <p:anim calcmode="lin" valueType="num">
-                                      <p:cBhvr>
-                                        <p:cTn id="64" dur="500" fill="hold"/>
-                                        <p:tgtEl>
-                                          <p:spTgt spid="62"/>
-                                        </p:tgtEl>
-                                        <p:attrNameLst>
-                                          <p:attrName>ppt_w</p:attrName>
-                                        </p:attrNameLst>
-                                      </p:cBhvr>
-                                      <p:tavLst>
-                                        <p:tav tm="0">
-                                          <p:val>
-                                            <p:fltVal val="0"/>
-                                          </p:val>
-                                        </p:tav>
-                                        <p:tav tm="100000">
-                                          <p:val>
-                                            <p:strVal val="#ppt_w"/>
-                                          </p:val>
-                                        </p:tav>
-                                      </p:tavLst>
-                                    </p:anim>
-                                    <p:anim calcmode="lin" valueType="num">
-                                      <p:cBhvr>
-                                        <p:cTn id="65" dur="500" fill="hold"/>
-                                        <p:tgtEl>
-                                          <p:spTgt spid="62"/>
-                                        </p:tgtEl>
-                                        <p:attrNameLst>
-                                          <p:attrName>ppt_h</p:attrName>
-                                        </p:attrNameLst>
-                                      </p:cBhvr>
-                                      <p:tavLst>
-                                        <p:tav tm="0">
-                                          <p:val>
-                                            <p:fltVal val="0"/>
-                                          </p:val>
-                                        </p:tav>
-                                        <p:tav tm="100000">
-                                          <p:val>
-                                            <p:strVal val="#ppt_h"/>
-                                          </p:val>
-                                        </p:tav>
-                                      </p:tavLst>
-                                    </p:anim>
-                                    <p:anim calcmode="lin" valueType="num">
-                                      <p:cBhvr>
-                                        <p:cTn id="66" dur="500" fill="hold"/>
-                                        <p:tgtEl>
-                                          <p:spTgt spid="62"/>
-                                        </p:tgtEl>
-                                        <p:attrNameLst>
-                                          <p:attrName>style.rotation</p:attrName>
-                                        </p:attrNameLst>
-                                      </p:cBhvr>
-                                      <p:tavLst>
-                                        <p:tav tm="0">
-                                          <p:val>
-                                            <p:fltVal val="360"/>
-                                          </p:val>
-                                        </p:tav>
-                                        <p:tav tm="100000">
-                                          <p:val>
-                                            <p:fltVal val="0"/>
-                                          </p:val>
-                                        </p:tav>
-                                      </p:tavLst>
-                                    </p:anim>
-                                    <p:animEffect transition="in" filter="fade">
-                                      <p:cBhvr>
-                                        <p:cTn id="67" dur="500"/>
-                                        <p:tgtEl>
-                                          <p:spTgt spid="62"/>
-                                        </p:tgtEl>
-                                      </p:cBhvr>
-                                    </p:animEffect>
-                                  </p:childTnLst>
-                                </p:cTn>
-                              </p:par>
-                              <p:par>
-                                <p:cTn id="68" presetID="49" presetClass="entr" presetSubtype="0" decel="100000" fill="hold" grpId="11" nodeType="withEffect">
-                                  <p:stCondLst>
-                                    <p:cond delay="1000"/>
-                                  </p:stCondLst>
-                                  <p:childTnLst>
-                                    <p:set>
-                                      <p:cBhvr>
-                                        <p:cTn id="69" dur="1" fill="hold">
-                                          <p:stCondLst>
-                                            <p:cond delay="0"/>
-                                          </p:stCondLst>
-                                        </p:cTn>
-                                        <p:tgtEl>
-                                          <p:spTgt spid="64"/>
-                                        </p:tgtEl>
-                                        <p:attrNameLst>
-                                          <p:attrName>style.visibility</p:attrName>
-                                        </p:attrNameLst>
-                                      </p:cBhvr>
-                                      <p:to>
-                                        <p:strVal val="visible"/>
-                                      </p:to>
-                                    </p:set>
-                                    <p:anim calcmode="lin" valueType="num">
-                                      <p:cBhvr>
-                                        <p:cTn id="70" dur="500" fill="hold"/>
-                                        <p:tgtEl>
-                                          <p:spTgt spid="64"/>
-                                        </p:tgtEl>
-                                        <p:attrNameLst>
-                                          <p:attrName>ppt_w</p:attrName>
-                                        </p:attrNameLst>
-                                      </p:cBhvr>
-                                      <p:tavLst>
-                                        <p:tav tm="0">
-                                          <p:val>
-                                            <p:fltVal val="0"/>
-                                          </p:val>
-                                        </p:tav>
-                                        <p:tav tm="100000">
-                                          <p:val>
-                                            <p:strVal val="#ppt_w"/>
-                                          </p:val>
-                                        </p:tav>
-                                      </p:tavLst>
-                                    </p:anim>
-                                    <p:anim calcmode="lin" valueType="num">
-                                      <p:cBhvr>
-                                        <p:cTn id="71" dur="500" fill="hold"/>
-                                        <p:tgtEl>
-                                          <p:spTgt spid="64"/>
-                                        </p:tgtEl>
-                                        <p:attrNameLst>
-                                          <p:attrName>ppt_h</p:attrName>
-                                        </p:attrNameLst>
-                                      </p:cBhvr>
-                                      <p:tavLst>
-                                        <p:tav tm="0">
-                                          <p:val>
-                                            <p:fltVal val="0"/>
-                                          </p:val>
-                                        </p:tav>
-                                        <p:tav tm="100000">
-                                          <p:val>
-                                            <p:strVal val="#ppt_h"/>
-                                          </p:val>
-                                        </p:tav>
-                                      </p:tavLst>
-                                    </p:anim>
-                                    <p:anim calcmode="lin" valueType="num">
-                                      <p:cBhvr>
-                                        <p:cTn id="72" dur="500" fill="hold"/>
-                                        <p:tgtEl>
-                                          <p:spTgt spid="64"/>
-                                        </p:tgtEl>
-                                        <p:attrNameLst>
-                                          <p:attrName>style.rotation</p:attrName>
-                                        </p:attrNameLst>
-                                      </p:cBhvr>
-                                      <p:tavLst>
-                                        <p:tav tm="0">
-                                          <p:val>
-                                            <p:fltVal val="360"/>
-                                          </p:val>
-                                        </p:tav>
-                                        <p:tav tm="100000">
-                                          <p:val>
-                                            <p:fltVal val="0"/>
-                                          </p:val>
-                                        </p:tav>
-                                      </p:tavLst>
-                                    </p:anim>
-                                    <p:animEffect transition="in" filter="fade">
-                                      <p:cBhvr>
-                                        <p:cTn id="73" dur="500"/>
-                                        <p:tgtEl>
-                                          <p:spTgt spid="64"/>
-                                        </p:tgtEl>
-                                      </p:cBhvr>
-                                    </p:animEffect>
-                                  </p:childTnLst>
-                                </p:cTn>
-                              </p:par>
-                              <p:par>
-                                <p:cTn id="74" presetID="49" presetClass="entr" presetSubtype="0" decel="100000" fill="hold" grpId="11" nodeType="withEffect">
-                                  <p:stCondLst>
-                                    <p:cond delay="1000"/>
-                                  </p:stCondLst>
-                                  <p:childTnLst>
-                                    <p:set>
-                                      <p:cBhvr>
-                                        <p:cTn id="75" dur="1" fill="hold">
-                                          <p:stCondLst>
-                                            <p:cond delay="0"/>
-                                          </p:stCondLst>
-                                        </p:cTn>
-                                        <p:tgtEl>
-                                          <p:spTgt spid="65"/>
-                                        </p:tgtEl>
-                                        <p:attrNameLst>
-                                          <p:attrName>style.visibility</p:attrName>
-                                        </p:attrNameLst>
-                                      </p:cBhvr>
-                                      <p:to>
-                                        <p:strVal val="visible"/>
-                                      </p:to>
-                                    </p:set>
-                                    <p:anim calcmode="lin" valueType="num">
-                                      <p:cBhvr>
-                                        <p:cTn id="76" dur="500" fill="hold"/>
-                                        <p:tgtEl>
-                                          <p:spTgt spid="65"/>
-                                        </p:tgtEl>
-                                        <p:attrNameLst>
-                                          <p:attrName>ppt_w</p:attrName>
-                                        </p:attrNameLst>
-                                      </p:cBhvr>
-                                      <p:tavLst>
-                                        <p:tav tm="0">
-                                          <p:val>
-                                            <p:fltVal val="0"/>
-                                          </p:val>
-                                        </p:tav>
-                                        <p:tav tm="100000">
-                                          <p:val>
-                                            <p:strVal val="#ppt_w"/>
-                                          </p:val>
-                                        </p:tav>
-                                      </p:tavLst>
-                                    </p:anim>
-                                    <p:anim calcmode="lin" valueType="num">
-                                      <p:cBhvr>
-                                        <p:cTn id="77" dur="500" fill="hold"/>
-                                        <p:tgtEl>
-                                          <p:spTgt spid="65"/>
-                                        </p:tgtEl>
-                                        <p:attrNameLst>
-                                          <p:attrName>ppt_h</p:attrName>
-                                        </p:attrNameLst>
-                                      </p:cBhvr>
-                                      <p:tavLst>
-                                        <p:tav tm="0">
-                                          <p:val>
-                                            <p:fltVal val="0"/>
-                                          </p:val>
-                                        </p:tav>
-                                        <p:tav tm="100000">
-                                          <p:val>
-                                            <p:strVal val="#ppt_h"/>
-                                          </p:val>
-                                        </p:tav>
-                                      </p:tavLst>
-                                    </p:anim>
-                                    <p:anim calcmode="lin" valueType="num">
-                                      <p:cBhvr>
-                                        <p:cTn id="78" dur="500" fill="hold"/>
-                                        <p:tgtEl>
-                                          <p:spTgt spid="65"/>
-                                        </p:tgtEl>
-                                        <p:attrNameLst>
-                                          <p:attrName>style.rotation</p:attrName>
-                                        </p:attrNameLst>
-                                      </p:cBhvr>
-                                      <p:tavLst>
-                                        <p:tav tm="0">
-                                          <p:val>
-                                            <p:fltVal val="360"/>
-                                          </p:val>
-                                        </p:tav>
-                                        <p:tav tm="100000">
-                                          <p:val>
-                                            <p:fltVal val="0"/>
-                                          </p:val>
-                                        </p:tav>
-                                      </p:tavLst>
-                                    </p:anim>
-                                    <p:animEffect transition="in" filter="fade">
-                                      <p:cBhvr>
-                                        <p:cTn id="79" dur="500"/>
-                                        <p:tgtEl>
-                                          <p:spTgt spid="65"/>
-                                        </p:tgtEl>
-                                      </p:cBhvr>
-                                    </p:animEffect>
-                                  </p:childTnLst>
-                                </p:cTn>
-                              </p:par>
-                            </p:childTnLst>
-                          </p:cTn>
-                        </p:par>
-                        <p:par>
-                          <p:cTn id="80" fill="hold">
-                            <p:stCondLst>
-                              <p:cond delay="16700"/>
-                            </p:stCondLst>
-                            <p:childTnLst>
-                              <p:par>
-                                <p:cTn id="81" presetID="22" presetClass="exit" presetSubtype="4" fill="hold" grpId="18" nodeType="afterEffect">
-                                  <p:stCondLst>
-                                    <p:cond delay="2000"/>
-                                  </p:stCondLst>
-                                  <p:childTnLst>
-                                    <p:animEffect transition="out" filter="wipe(down)">
-                                      <p:cBhvr>
-                                        <p:cTn id="82" dur="500"/>
-                                        <p:tgtEl>
-                                          <p:spTgt spid="62"/>
+                                    <p:animEffect transition="out" filter="fade">
+                                      <p:cBhvr>
+                                        <p:cTn id="38" dur="500"/>
+                                        <p:tgtEl>
+                                          <p:spTgt spid="39"/>
                                         </p:tgtEl>
                                       </p:cBhvr>
                                     </p:animEffect>
                                     <p:set>
                                       <p:cBhvr>
-                                        <p:cTn id="83" dur="1" fill="hold">
+                                        <p:cTn id="39" dur="1" fill="hold">
                                           <p:stCondLst>
                                             <p:cond delay="499"/>
                                           </p:stCondLst>
                                         </p:cTn>
                                         <p:tgtEl>
-                                          <p:spTgt spid="62"/>
+                                          <p:spTgt spid="39"/>
                                         </p:tgtEl>
                                         <p:attrNameLst>
                                           <p:attrName>style.visibility</p:attrName>
@@ -5442,63 +4872,28 @@
                                 </p:cTn>
                               </p:par>
                               <p:par>
-                                <p:cTn id="84" presetID="22" presetClass="exit" presetSubtype="4" fill="hold" grpId="18" nodeType="withEffect">
+                                <p:cTn id="40" presetID="10" presetClass="exit" presetSubtype="0" fill="hold" grpId="35" nodeType="withEffect">
                                   <p:stCondLst>
-                                    <p:cond delay="2000"/>
+                                    <p:cond delay="1000"/>
                                   </p:stCondLst>
                                   <p:childTnLst>
-                                    <p:animEffect transition="out" filter="wipe(down)">
-                                      <p:cBhvr>
-                                        <p:cTn id="85" dur="500"/>
-                                        <p:tgtEl>
-                                          <p:spTgt spid="64"/>
+                                    <p:animEffect transition="out" filter="fade">
+                                      <p:cBhvr>
+                                        <p:cTn id="41" dur="500"/>
+                                        <p:tgtEl>
+                                          <p:spTgt spid="40"/>
                                         </p:tgtEl>
                                       </p:cBhvr>
                                     </p:animEffect>
                                     <p:set>
                                       <p:cBhvr>
-                                        <p:cTn id="86" dur="1" fill="hold">
+                                        <p:cTn id="42" dur="1" fill="hold">
                                           <p:stCondLst>
                                             <p:cond delay="499"/>
                                           </p:stCondLst>
                                         </p:cTn>
                                         <p:tgtEl>
-                                          <p:spTgt spid="64"/>
-                                        </p:tgtEl>
-                                        <p:attrNameLst>
-                                          <p:attrName>style.visibility</p:attrName>
-                                        </p:attrNameLst>
-                                      </p:cBhvr>
-                                      <p:to>
-                                        <p:strVal val="hidden"/>
-                                      </p:to>
-                                    </p:set>
-                                  </p:childTnLst>
-                                </p:cTn>
-                              </p:par>
-                              <p:par>
-                                <p:cTn id="87" presetID="22" presetClass="exit" presetSubtype="4" fill="hold" grpId="18" nodeType="withEffect">
-                                  <p:stCondLst>
-                                    <p:cond delay="2000"/>
-                                  </p:stCondLst>
-                                  <p:childTnLst>
-                                    <p:animEffect transition="out" filter="wipe(down)">
-                                      <p:cBhvr>
-                                        <p:cTn id="88" dur="500"/>
-                                        <p:tgtEl>
-                                          <p:spTgt spid="65"/>
-                                        </p:tgtEl>
-                                      </p:cBhvr>
-                                    </p:animEffect>
-                                    <p:set>
-                                      <p:cBhvr>
-                                        <p:cTn id="89" dur="1" fill="hold">
-                                          <p:stCondLst>
-                                            <p:cond delay="499"/>
-                                          </p:stCondLst>
-                                        </p:cTn>
-                                        <p:tgtEl>
-                                          <p:spTgt spid="65"/>
+                                          <p:spTgt spid="40"/>
                                         </p:tgtEl>
                                         <p:attrNameLst>
                                           <p:attrName>style.visibility</p:attrName>
@@ -5515,26 +4910,26 @@
                           </p:cTn>
                         </p:par>
                         <p:par>
-                          <p:cTn id="90" fill="hold">
+                          <p:cTn id="43" fill="hold">
                             <p:stCondLst>
-                              <p:cond delay="19200"/>
+                              <p:cond delay="3500"/>
                             </p:stCondLst>
                             <p:childTnLst>
                               <p:par>
-                                <p:cTn id="91" presetID="31" presetClass="entr" presetSubtype="0" fill="hold" nodeType="afterEffect">
+                                <p:cTn id="44" presetID="55" presetClass="entr" presetSubtype="0" fill="hold" nodeType="afterEffect">
                                   <p:stCondLst>
                                     <p:cond delay="0"/>
                                   </p:stCondLst>
                                   <p:childTnLst>
                                     <p:set>
                                       <p:cBhvr>
-                                        <p:cTn id="92" dur="1" fill="hold">
+                                        <p:cTn id="45" dur="1" fill="hold">
                                           <p:stCondLst>
                                             <p:cond delay="0"/>
                                           </p:stCondLst>
                                         </p:cTn>
                                         <p:tgtEl>
-                                          <p:spTgt spid="22"/>
+                                          <p:spTgt spid="4"/>
                                         </p:tgtEl>
                                         <p:attrNameLst>
                                           <p:attrName>style.visibility</p:attrName>
@@ -5546,9 +4941,9 @@
                                     </p:set>
                                     <p:anim calcmode="lin" valueType="num">
                                       <p:cBhvr>
-                                        <p:cTn id="93" dur="1000" fill="hold"/>
-                                        <p:tgtEl>
-                                          <p:spTgt spid="22"/>
+                                        <p:cTn id="46" dur="1000" fill="hold"/>
+                                        <p:tgtEl>
+                                          <p:spTgt spid="4"/>
                                         </p:tgtEl>
                                         <p:attrNameLst>
                                           <p:attrName>ppt_w</p:attrName>
@@ -5557,7 +4952,7 @@
                                       <p:tavLst>
                                         <p:tav tm="0">
                                           <p:val>
-                                            <p:fltVal val="0"/>
+                                            <p:strVal val="#ppt_w*0.70"/>
                                           </p:val>
                                         </p:tav>
                                         <p:tav tm="100000">
@@ -5569,9 +4964,9 @@
                                     </p:anim>
                                     <p:anim calcmode="lin" valueType="num">
                                       <p:cBhvr>
-                                        <p:cTn id="94" dur="1000" fill="hold"/>
-                                        <p:tgtEl>
-                                          <p:spTgt spid="22"/>
+                                        <p:cTn id="47" dur="1000" fill="hold"/>
+                                        <p:tgtEl>
+                                          <p:spTgt spid="4"/>
                                         </p:tgtEl>
                                         <p:attrNameLst>
                                           <p:attrName>ppt_h</p:attrName>
@@ -5580,44 +4975,102 @@
                                       <p:tavLst>
                                         <p:tav tm="0">
                                           <p:val>
-                                            <p:fltVal val="0"/>
+                                            <p:strVal val="#ppt_h"/>
                                           </p:val>
                                         </p:tav>
                                         <p:tav tm="100000">
                                           <p:val>
                                             <p:strVal val="#ppt_h"/>
+                                          </p:val>
+                                        </p:tav>
+                                      </p:tavLst>
+                                    </p:anim>
+                                    <p:animEffect transition="in" filter="fade">
+                                      <p:cBhvr>
+                                        <p:cTn id="48" dur="1000"/>
+                                        <p:tgtEl>
+                                          <p:spTgt spid="4"/>
+                                        </p:tgtEl>
+                                      </p:cBhvr>
+                                    </p:animEffect>
+                                  </p:childTnLst>
+                                </p:cTn>
+                              </p:par>
+                              <p:par>
+                                <p:cTn id="49" presetID="55" presetClass="entr" presetSubtype="0" fill="hold" nodeType="withEffect">
+                                  <p:stCondLst>
+                                    <p:cond delay="0"/>
+                                  </p:stCondLst>
+                                  <p:childTnLst>
+                                    <p:set>
+                                      <p:cBhvr>
+                                        <p:cTn id="50" dur="1" fill="hold">
+                                          <p:stCondLst>
+                                            <p:cond delay="0"/>
+                                          </p:stCondLst>
+                                        </p:cTn>
+                                        <p:tgtEl>
+                                          <p:spTgt spid="9"/>
+                                        </p:tgtEl>
+                                        <p:attrNameLst>
+                                          <p:attrName>style.visibility</p:attrName>
+                                        </p:attrNameLst>
+                                      </p:cBhvr>
+                                      <p:to>
+                                        <p:strVal val="visible"/>
+                                      </p:to>
+                                    </p:set>
+                                    <p:anim calcmode="lin" valueType="num">
+                                      <p:cBhvr>
+                                        <p:cTn id="51" dur="1000" fill="hold"/>
+                                        <p:tgtEl>
+                                          <p:spTgt spid="9"/>
+                                        </p:tgtEl>
+                                        <p:attrNameLst>
+                                          <p:attrName>ppt_w</p:attrName>
+                                        </p:attrNameLst>
+                                      </p:cBhvr>
+                                      <p:tavLst>
+                                        <p:tav tm="0">
+                                          <p:val>
+                                            <p:strVal val="#ppt_w*0.70"/>
+                                          </p:val>
+                                        </p:tav>
+                                        <p:tav tm="100000">
+                                          <p:val>
+                                            <p:strVal val="#ppt_w"/>
                                           </p:val>
                                         </p:tav>
                                       </p:tavLst>
                                     </p:anim>
                                     <p:anim calcmode="lin" valueType="num">
                                       <p:cBhvr>
-                                        <p:cTn id="95" dur="1000" fill="hold"/>
-                                        <p:tgtEl>
-                                          <p:spTgt spid="22"/>
-                                        </p:tgtEl>
-                                        <p:attrNameLst>
-                                          <p:attrName>style.rotation</p:attrName>
+                                        <p:cTn id="52" dur="1000" fill="hold"/>
+                                        <p:tgtEl>
+                                          <p:spTgt spid="9"/>
+                                        </p:tgtEl>
+                                        <p:attrNameLst>
+                                          <p:attrName>ppt_h</p:attrName>
                                         </p:attrNameLst>
                                       </p:cBhvr>
                                       <p:tavLst>
                                         <p:tav tm="0">
                                           <p:val>
-                                            <p:fltVal val="90"/>
+                                            <p:strVal val="#ppt_h"/>
                                           </p:val>
                                         </p:tav>
                                         <p:tav tm="100000">
                                           <p:val>
-                                            <p:fltVal val="0"/>
+                                            <p:strVal val="#ppt_h"/>
                                           </p:val>
                                         </p:tav>
                                       </p:tavLst>
                                     </p:anim>
                                     <p:animEffect transition="in" filter="fade">
                                       <p:cBhvr>
-                                        <p:cTn id="96" dur="1000"/>
-                                        <p:tgtEl>
-                                          <p:spTgt spid="22"/>
+                                        <p:cTn id="53" dur="1000"/>
+                                        <p:tgtEl>
+                                          <p:spTgt spid="9"/>
                                         </p:tgtEl>
                                       </p:cBhvr>
                                     </p:animEffect>
@@ -5628,26 +5081,26 @@
                           </p:cTn>
                         </p:par>
                         <p:par>
-                          <p:cTn id="97" fill="hold">
+                          <p:cTn id="54" fill="hold">
                             <p:stCondLst>
-                              <p:cond delay="20200"/>
+                              <p:cond delay="4500"/>
                             </p:stCondLst>
                             <p:childTnLst>
                               <p:par>
-                                <p:cTn id="98" presetID="23" presetClass="entr" presetSubtype="16" fill="hold" grpId="10" nodeType="afterEffect">
+                                <p:cTn id="55" presetID="20" presetClass="entr" presetSubtype="0" fill="hold" grpId="4" nodeType="afterEffect">
                                   <p:stCondLst>
                                     <p:cond delay="1000"/>
                                   </p:stCondLst>
                                   <p:childTnLst>
                                     <p:set>
                                       <p:cBhvr>
-                                        <p:cTn id="99" dur="1" fill="hold">
+                                        <p:cTn id="56" dur="1" fill="hold">
                                           <p:stCondLst>
                                             <p:cond delay="0"/>
                                           </p:stCondLst>
                                         </p:cTn>
                                         <p:tgtEl>
-                                          <p:spTgt spid="20"/>
+                                          <p:spTgt spid="42"/>
                                         </p:tgtEl>
                                         <p:attrNameLst>
                                           <p:attrName>style.visibility</p:attrName>
@@ -5657,70 +5110,32 @@
                                         <p:strVal val="visible"/>
                                       </p:to>
                                     </p:set>
-                                    <p:anim calcmode="lin" valueType="num">
-                                      <p:cBhvr>
-                                        <p:cTn id="100" dur="500" fill="hold"/>
-                                        <p:tgtEl>
-                                          <p:spTgt spid="20"/>
-                                        </p:tgtEl>
-                                        <p:attrNameLst>
-                                          <p:attrName>ppt_w</p:attrName>
-                                        </p:attrNameLst>
-                                      </p:cBhvr>
-                                      <p:tavLst>
-                                        <p:tav tm="0">
-                                          <p:val>
-                                            <p:fltVal val="0"/>
-                                          </p:val>
-                                        </p:tav>
-                                        <p:tav tm="100000">
-                                          <p:val>
-                                            <p:strVal val="#ppt_w"/>
-                                          </p:val>
-                                        </p:tav>
-                                      </p:tavLst>
-                                    </p:anim>
-                                    <p:anim calcmode="lin" valueType="num">
-                                      <p:cBhvr>
-                                        <p:cTn id="101" dur="500" fill="hold"/>
-                                        <p:tgtEl>
-                                          <p:spTgt spid="20"/>
-                                        </p:tgtEl>
-                                        <p:attrNameLst>
-                                          <p:attrName>ppt_h</p:attrName>
-                                        </p:attrNameLst>
-                                      </p:cBhvr>
-                                      <p:tavLst>
-                                        <p:tav tm="0">
-                                          <p:val>
-                                            <p:fltVal val="0"/>
-                                          </p:val>
-                                        </p:tav>
-                                        <p:tav tm="100000">
-                                          <p:val>
-                                            <p:strVal val="#ppt_h"/>
-                                          </p:val>
-                                        </p:tav>
-                                      </p:tavLst>
-                                    </p:anim>
+                                    <p:animEffect transition="in" filter="wedge">
+                                      <p:cBhvr>
+                                        <p:cTn id="57" dur="1000"/>
+                                        <p:tgtEl>
+                                          <p:spTgt spid="42"/>
+                                        </p:tgtEl>
+                                      </p:cBhvr>
+                                    </p:animEffect>
                                   </p:childTnLst>
                                 </p:cTn>
                               </p:par>
                               <p:par>
-                                <p:cTn id="102" presetID="23" presetClass="entr" presetSubtype="16" fill="hold" grpId="11" nodeType="withEffect">
+                                <p:cTn id="58" presetID="20" presetClass="entr" presetSubtype="0" fill="hold" grpId="4" nodeType="withEffect">
                                   <p:stCondLst>
                                     <p:cond delay="1000"/>
                                   </p:stCondLst>
                                   <p:childTnLst>
                                     <p:set>
                                       <p:cBhvr>
-                                        <p:cTn id="103" dur="1" fill="hold">
+                                        <p:cTn id="59" dur="1" fill="hold">
                                           <p:stCondLst>
                                             <p:cond delay="0"/>
                                           </p:stCondLst>
                                         </p:cTn>
                                         <p:tgtEl>
-                                          <p:spTgt spid="23"/>
+                                          <p:spTgt spid="44"/>
                                         </p:tgtEl>
                                         <p:attrNameLst>
                                           <p:attrName>style.visibility</p:attrName>
@@ -5730,70 +5145,41 @@
                                         <p:strVal val="visible"/>
                                       </p:to>
                                     </p:set>
-                                    <p:anim calcmode="lin" valueType="num">
-                                      <p:cBhvr>
-                                        <p:cTn id="104" dur="500" fill="hold"/>
-                                        <p:tgtEl>
-                                          <p:spTgt spid="23"/>
-                                        </p:tgtEl>
-                                        <p:attrNameLst>
-                                          <p:attrName>ppt_w</p:attrName>
-                                        </p:attrNameLst>
-                                      </p:cBhvr>
-                                      <p:tavLst>
-                                        <p:tav tm="0">
-                                          <p:val>
-                                            <p:fltVal val="0"/>
-                                          </p:val>
-                                        </p:tav>
-                                        <p:tav tm="100000">
-                                          <p:val>
-                                            <p:strVal val="#ppt_w"/>
-                                          </p:val>
-                                        </p:tav>
-                                      </p:tavLst>
-                                    </p:anim>
-                                    <p:anim calcmode="lin" valueType="num">
-                                      <p:cBhvr>
-                                        <p:cTn id="105" dur="500" fill="hold"/>
-                                        <p:tgtEl>
-                                          <p:spTgt spid="23"/>
-                                        </p:tgtEl>
-                                        <p:attrNameLst>
-                                          <p:attrName>ppt_h</p:attrName>
-                                        </p:attrNameLst>
-                                      </p:cBhvr>
-                                      <p:tavLst>
-                                        <p:tav tm="0">
-                                          <p:val>
-                                            <p:fltVal val="0"/>
-                                          </p:val>
-                                        </p:tav>
-                                        <p:tav tm="100000">
-                                          <p:val>
-                                            <p:strVal val="#ppt_h"/>
-                                          </p:val>
-                                        </p:tav>
-                                      </p:tavLst>
-                                    </p:anim>
+                                    <p:animEffect transition="in" filter="wedge">
+                                      <p:cBhvr>
+                                        <p:cTn id="60" dur="2000"/>
+                                        <p:tgtEl>
+                                          <p:spTgt spid="44"/>
+                                        </p:tgtEl>
+                                      </p:cBhvr>
+                                    </p:animEffect>
                                   </p:childTnLst>
                                 </p:cTn>
                               </p:par>
+                            </p:childTnLst>
+                          </p:cTn>
+                        </p:par>
+                        <p:par>
+                          <p:cTn id="61" fill="hold">
+                            <p:stCondLst>
+                              <p:cond delay="6500"/>
+                            </p:stCondLst>
+                            <p:childTnLst>
                               <p:par>
-                                <p:cTn id="106" presetID="23" presetClass="entr" presetSubtype="16" fill="hold" grpId="11" nodeType="withEffect">
+                                <p:cTn id="62" presetID="51" presetClass="entr" presetSubtype="0" fill="hold" grpId="12" nodeType="afterEffect">
                                   <p:stCondLst>
                                     <p:cond delay="1000"/>
                                   </p:stCondLst>
                                   <p:childTnLst>
                                     <p:set>
                                       <p:cBhvr>
-                                        <p:cTn id="107" dur="1" fill="hold">
+                                        <p:cTn id="63" dur="1" fill="hold">
                                           <p:stCondLst>
                                             <p:cond delay="0"/>
                                           </p:stCondLst>
                                         </p:cTn>
                                         <p:tgtEl>
-                                          <p:spTgt spid="24"/>
+                                          <p:spTgt spid="45"/>
                                         </p:tgtEl>
                                         <p:attrNameLst>
                                           <p:attrName>style.visibility</p:attrName>
@@ -5803,51 +5189,95 @@
                                         <p:strVal val="visible"/>
                                       </p:to>
                                     </p:set>
-                                    <p:anim calcmode="lin" valueType="num">
-                                      <p:cBhvr>
-                                        <p:cTn id="108" dur="500" fill="hold"/>
-                                        <p:tgtEl>
-                                          <p:spTgt spid="24"/>
-                                        </p:tgtEl>
-                                        <p:attrNameLst>
-                                          <p:attrName>ppt_w</p:attrName>
-                                        </p:attrNameLst>
-                                      </p:cBhvr>
-                                      <p:tavLst>
-                                        <p:tav tm="0">
-                                          <p:val>
-                                            <p:fltVal val="0"/>
-                                          </p:val>
-                                        </p:tav>
-                                        <p:tav tm="100000">
-                                          <p:val>
-                                            <p:strVal val="#ppt_w"/>
-                                          </p:val>
-                                        </p:tav>
-                                      </p:tavLst>
+                                    <p:animEffect transition="in" filter="fade">
+                                      <p:cBhvr>
+                                        <p:cTn id="64" dur="770" decel="100000"/>
+                                        <p:tgtEl>
+                                          <p:spTgt spid="45"/>
+                                        </p:tgtEl>
+                                      </p:cBhvr>
+                                    </p:animEffect>
+                                    <p:animScale>
+                                      <p:cBhvr>
+                                        <p:cTn id="65" dur="770" decel="100000"/>
+                                        <p:tgtEl>
+                                          <p:spTgt spid="45"/>
+                                        </p:tgtEl>
+                                      </p:cBhvr>
+                                      <p:from x="10000" y="10000"/>
+                                      <p:to x="200000" y="450000"/>
+                                    </p:animScale>
+                                    <p:animScale>
+                                      <p:cBhvr>
+                                        <p:cTn id="66" dur="1230" accel="100000" fill="hold">
+                                          <p:stCondLst>
+                                            <p:cond delay="770"/>
+                                          </p:stCondLst>
+                                        </p:cTn>
+                                        <p:tgtEl>
+                                          <p:spTgt spid="45"/>
+                                        </p:tgtEl>
+                                      </p:cBhvr>
+                                      <p:from x="200000" y="450000"/>
+                                      <p:to x="100000" y="100000"/>
+                                    </p:animScale>
+                                    <p:set>
+                                      <p:cBhvr>
+                                        <p:cTn id="67" dur="770" fill="hold"/>
+                                        <p:tgtEl>
+                                          <p:spTgt spid="45"/>
+                                        </p:tgtEl>
+                                        <p:attrNameLst>
+                                          <p:attrName>ppt_x</p:attrName>
+                                        </p:attrNameLst>
+                                      </p:cBhvr>
+                                      <p:to>
+                                        <p:strVal val="(0.5)"/>
+                                      </p:to>
+                                    </p:set>
+                                    <p:anim from="(0.5)" to="(#ppt_x)" calcmode="lin" valueType="num">
+                                      <p:cBhvr>
+                                        <p:cTn id="68" dur="1230" accel="100000" fill="hold">
+                                          <p:stCondLst>
+                                            <p:cond delay="770"/>
+                                          </p:stCondLst>
+                                        </p:cTn>
+                                        <p:tgtEl>
+                                          <p:spTgt spid="45"/>
+                                        </p:tgtEl>
+                                        <p:attrNameLst>
+                                          <p:attrName>ppt_x</p:attrName>
+                                        </p:attrNameLst>
+                                      </p:cBhvr>
                                     </p:anim>
-                                    <p:anim calcmode="lin" valueType="num">
-                                      <p:cBhvr>
-                                        <p:cTn id="109" dur="500" fill="hold"/>
-                                        <p:tgtEl>
-                                          <p:spTgt spid="24"/>
-                                        </p:tgtEl>
-                                        <p:attrNameLst>
-                                          <p:attrName>ppt_h</p:attrName>
-                                        </p:attrNameLst>
-                                      </p:cBhvr>
-                                      <p:tavLst>
-                                        <p:tav tm="0">
-                                          <p:val>
-                                            <p:fltVal val="0"/>
-                                          </p:val>
-                                        </p:tav>
-                                        <p:tav tm="100000">
-                                          <p:val>
-                                            <p:strVal val="#ppt_h"/>
-                                          </p:val>
-                                        </p:tav>
-                                      </p:tavLst>
+                                    <p:set>
+                                      <p:cBhvr>
+                                        <p:cTn id="69" dur="770" fill="hold"/>
+                                        <p:tgtEl>
+                                          <p:spTgt spid="45"/>
+                                        </p:tgtEl>
+                                        <p:attrNameLst>
+                                          <p:attrName>ppt_y</p:attrName>
+                                        </p:attrNameLst>
+                                      </p:cBhvr>
+                                      <p:to>
+                                        <p:strVal val="(#ppt_y+0.4)"/>
+                                      </p:to>
+                                    </p:set>
+                                    <p:anim from="(#ppt_y+0.4)" to="(#ppt_y)" calcmode="lin" valueType="num">
+                                      <p:cBhvr>
+                                        <p:cTn id="70" dur="1230" accel="100000" fill="hold">
+                                          <p:stCondLst>
+                                            <p:cond delay="770"/>
+                                          </p:stCondLst>
+                                        </p:cTn>
+                                        <p:tgtEl>
+                                          <p:spTgt spid="45"/>
+                                        </p:tgtEl>
+                                        <p:attrNameLst>
+                                          <p:attrName>ppt_y</p:attrName>
+                                        </p:attrNameLst>
+                                      </p:cBhvr>
                                     </p:anim>
                                   </p:childTnLst>
                                 </p:cTn>
@@ -5856,26 +5286,29 @@
                           </p:cTn>
                         </p:par>
                         <p:par>
-                          <p:cTn id="110" fill="hold">
+                          <p:cTn id="71" fill="hold">
                             <p:stCondLst>
-                              <p:cond delay="21700"/>
+                              <p:cond delay="9500"/>
                             </p:stCondLst>
                             <p:childTnLst>
                               <p:par>
-                                <p:cTn id="111" presetID="49" presetClass="entr" presetSubtype="0" decel="100000" fill="hold" grpId="0" nodeType="afterEffect">
+                                <p:cTn id="72" presetID="41" presetClass="entr" presetSubtype="0" fill="hold" grpId="14" nodeType="afterEffect">
                                   <p:stCondLst>
                                     <p:cond delay="1000"/>
                                   </p:stCondLst>
+                                  <p:iterate type="lt">
+                                    <p:tmPct val="10000"/>
+                                  </p:iterate>
                                   <p:childTnLst>
                                     <p:set>
                                       <p:cBhvr>
-                                        <p:cTn id="112" dur="1" fill="hold">
+                                        <p:cTn id="73" dur="1" fill="hold">
                                           <p:stCondLst>
                                             <p:cond delay="0"/>
                                           </p:stCondLst>
                                         </p:cTn>
                                         <p:tgtEl>
-                                          <p:spTgt spid="66"/>
+                                          <p:spTgt spid="46"/>
                                         </p:tgtEl>
                                         <p:attrNameLst>
                                           <p:attrName>style.visibility</p:attrName>
@@ -5887,286 +5320,116 @@
                                     </p:set>
                                     <p:anim calcmode="lin" valueType="num">
                                       <p:cBhvr>
-                                        <p:cTn id="113" dur="500" fill="hold"/>
-                                        <p:tgtEl>
-                                          <p:spTgt spid="66"/>
-                                        </p:tgtEl>
-                                        <p:attrNameLst>
-                                          <p:attrName>ppt_w</p:attrName>
+                                        <p:cTn id="74" dur="500" fill="hold"/>
+                                        <p:tgtEl>
+                                          <p:spTgt spid="46"/>
+                                        </p:tgtEl>
+                                        <p:attrNameLst>
+                                          <p:attrName>ppt_x</p:attrName>
                                         </p:attrNameLst>
                                       </p:cBhvr>
                                       <p:tavLst>
                                         <p:tav tm="0">
                                           <p:val>
-                                            <p:fltVal val="0"/>
+                                            <p:strVal val="#ppt_x"/>
+                                          </p:val>
+                                        </p:tav>
+                                        <p:tav tm="50000">
+                                          <p:val>
+                                            <p:strVal val="#ppt_x+.1"/>
                                           </p:val>
                                         </p:tav>
                                         <p:tav tm="100000">
                                           <p:val>
-                                            <p:strVal val="#ppt_w"/>
+                                            <p:strVal val="#ppt_x"/>
                                           </p:val>
                                         </p:tav>
                                       </p:tavLst>
                                     </p:anim>
                                     <p:anim calcmode="lin" valueType="num">
                                       <p:cBhvr>
-                                        <p:cTn id="114" dur="500" fill="hold"/>
-                                        <p:tgtEl>
-                                          <p:spTgt spid="66"/>
-                                        </p:tgtEl>
-                                        <p:attrNameLst>
-                                          <p:attrName>ppt_h</p:attrName>
+                                        <p:cTn id="75" dur="500" fill="hold"/>
+                                        <p:tgtEl>
+                                          <p:spTgt spid="46"/>
+                                        </p:tgtEl>
+                                        <p:attrNameLst>
+                                          <p:attrName>ppt_y</p:attrName>
                                         </p:attrNameLst>
                                       </p:cBhvr>
                                       <p:tavLst>
                                         <p:tav tm="0">
                                           <p:val>
-                                            <p:fltVal val="0"/>
+                                            <p:strVal val="#ppt_y"/>
                                           </p:val>
                                         </p:tav>
                                         <p:tav tm="100000">
                                           <p:val>
-                                            <p:strVal val="#ppt_h"/>
+                                            <p:strVal val="#ppt_y"/>
                                           </p:val>
                                         </p:tav>
                                       </p:tavLst>
                                     </p:anim>
                                     <p:anim calcmode="lin" valueType="num">
                                       <p:cBhvr>
-                                        <p:cTn id="115" dur="500" fill="hold"/>
-                                        <p:tgtEl>
-                                          <p:spTgt spid="66"/>
-                                        </p:tgtEl>
-                                        <p:attrNameLst>
-                                          <p:attrName>style.rotation</p:attrName>
+                                        <p:cTn id="76" dur="500" fill="hold"/>
+                                        <p:tgtEl>
+                                          <p:spTgt spid="46"/>
+                                        </p:tgtEl>
+                                        <p:attrNameLst>
+                                          <p:attrName>ppt_h</p:attrName>
                                         </p:attrNameLst>
                                       </p:cBhvr>
                                       <p:tavLst>
                                         <p:tav tm="0">
                                           <p:val>
-                                            <p:fltVal val="360"/>
+                                            <p:strVal val="#ppt_h/10"/>
+                                          </p:val>
+                                        </p:tav>
+                                        <p:tav tm="50000">
+                                          <p:val>
+                                            <p:strVal val="#ppt_h+.01"/>
                                           </p:val>
                                         </p:tav>
                                         <p:tav tm="100000">
                                           <p:val>
-                                            <p:fltVal val="0"/>
+                                            <p:strVal val="#ppt_h"/>
+                                          </p:val>
+                                        </p:tav>
+                                      </p:tavLst>
+                                    </p:anim>
+                                    <p:anim calcmode="lin" valueType="num">
+                                      <p:cBhvr>
+                                        <p:cTn id="77" dur="500" fill="hold"/>
+                                        <p:tgtEl>
+                                          <p:spTgt spid="46"/>
+                                        </p:tgtEl>
+                                        <p:attrNameLst>
+                                          <p:attrName>ppt_w</p:attrName>
+                                        </p:attrNameLst>
+                                      </p:cBhvr>
+                                      <p:tavLst>
+                                        <p:tav tm="0">
+                                          <p:val>
+                                            <p:strVal val="#ppt_w/10"/>
+                                          </p:val>
+                                        </p:tav>
+                                        <p:tav tm="50000">
+                                          <p:val>
+                                            <p:strVal val="#ppt_w+.01"/>
+                                          </p:val>
+                                        </p:tav>
+                                        <p:tav tm="100000">
+                                          <p:val>
+                                            <p:strVal val="#ppt_w"/>
                                           </p:val>
                                         </p:tav>
                                       </p:tavLst>
                                     </p:anim>
                                     <p:animEffect transition="in" filter="fade">
                                       <p:cBhvr>
-                                        <p:cTn id="116" dur="500"/>
-                                        <p:tgtEl>
-                                          <p:spTgt spid="66"/>
-                                        </p:tgtEl>
-                                      </p:cBhvr>
-                                    </p:animEffect>
-                                  </p:childTnLst>
-                                </p:cTn>
-                              </p:par>
-                              <p:par>
-                                <p:cTn id="117" presetID="49" presetClass="entr" presetSubtype="0" decel="100000" fill="hold" grpId="0" nodeType="withEffect">
-                                  <p:stCondLst>
-                                    <p:cond delay="1000"/>
-                                  </p:stCondLst>
-                                  <p:childTnLst>
-                                    <p:set>
-                                      <p:cBhvr>
-                                        <p:cTn id="118" dur="1" fill="hold">
-                                          <p:stCondLst>
-                                            <p:cond delay="0"/>
-                                          </p:stCondLst>
-                                        </p:cTn>
-                                        <p:tgtEl>
-                                          <p:spTgt spid="67"/>
-                                        </p:tgtEl>
-                                        <p:attrNameLst>
-                                          <p:attrName>style.visibility</p:attrName>
-                                        </p:attrNameLst>
-                                      </p:cBhvr>
-                                      <p:to>
-                                        <p:strVal val="visible"/>
-                                      </p:to>
-                                    </p:set>
-                                    <p:anim calcmode="lin" valueType="num">
-                                      <p:cBhvr>
-                                        <p:cTn id="119" dur="500" fill="hold"/>
-                                        <p:tgtEl>
-                                          <p:spTgt spid="67"/>
-                                        </p:tgtEl>
-                                        <p:attrNameLst>
-                                          <p:attrName>ppt_w</p:attrName>
-                                        </p:attrNameLst>
-                                      </p:cBhvr>
-                                      <p:tavLst>
-                                        <p:tav tm="0">
-                                          <p:val>
-                                            <p:fltVal val="0"/>
-                                          </p:val>
-                                        </p:tav>
-                                        <p:tav tm="100000">
-                                          <p:val>
-                                            <p:strVal val="#ppt_w"/>
-                                          </p:val>
-                                        </p:tav>
-                                      </p:tavLst>
-                                    </p:anim>
-                                    <p:anim calcmode="lin" valueType="num">
-                                      <p:cBhvr>
-                                        <p:cTn id="120" dur="500" fill="hold"/>
-                                        <p:tgtEl>
-                                          <p:spTgt spid="67"/>
-                                        </p:tgtEl>
-                                        <p:attrNameLst>
-                                          <p:attrName>ppt_h</p:attrName>
-                                        </p:attrNameLst>
-                                      </p:cBhvr>
-                                      <p:tavLst>
-                                        <p:tav tm="0">
-                                          <p:val>
-                                            <p:fltVal val="0"/>
-                                          </p:val>
-                                        </p:tav>
-                                        <p:tav tm="100000">
-                                          <p:val>
-                                            <p:strVal val="#ppt_h"/>
-                                          </p:val>
-                                        </p:tav>
-                                      </p:tavLst>
-                                    </p:anim>
-                                    <p:anim calcmode="lin" valueType="num">
-                                      <p:cBhvr>
-                                        <p:cTn id="121" dur="500" fill="hold"/>
-                                        <p:tgtEl>
-                                          <p:spTgt spid="67"/>
-                                        </p:tgtEl>
-                                        <p:attrNameLst>
-                                          <p:attrName>style.rotation</p:attrName>
-                                        </p:attrNameLst>
-                                      </p:cBhvr>
-                                      <p:tavLst>
-                                        <p:tav tm="0">
-                                          <p:val>
-                                            <p:fltVal val="360"/>
-                                          </p:val>
-                                        </p:tav>
-                                        <p:tav tm="100000">
-                                          <p:val>
-                                            <p:fltVal val="0"/>
-                                          </p:val>
-                                        </p:tav>
-                                      </p:tavLst>
-                                    </p:anim>
-                                    <p:animEffect transition="in" filter="fade">
-                                      <p:cBhvr>
-                                        <p:cTn id="122" dur="500"/>
-                                        <p:tgtEl>
-                                          <p:spTgt spid="67"/>
-                                        </p:tgtEl>
-                                      </p:cBhvr>
-                                    </p:animEffect>
-                                  </p:childTnLst>
-                                </p:cTn>
-                              </p:par>
-                              <p:par>
-                                <p:cTn id="123" presetID="49" presetClass="entr" presetSubtype="0" decel="100000" fill="hold" grpId="0" nodeType="withEffect">
-                                  <p:stCondLst>
-                                    <p:cond delay="1000"/>
-                                  </p:stCondLst>
-                                  <p:childTnLst>
-                                    <p:set>
-                                      <p:cBhvr>
-                                        <p:cTn id="124" dur="1" fill="hold">
-                                          <p:stCondLst>
-                                            <p:cond delay="0"/>
-                                          </p:stCondLst>
-                                        </p:cTn>
-                                        <p:tgtEl>
-                                          <p:spTgt spid="68"/>
-                                        </p:tgtEl>
-                                        <p:attrNameLst>
-                                          <p:attrName>style.visibility</p:attrName>
-                                        </p:attrNameLst>
-                                      </p:cBhvr>
-                                      <p:to>
-                                        <p:strVal val="visible"/>
-                                      </p:to>
-                                    </p:set>
-                                    <p:anim calcmode="lin" valueType="num">
-                                      <p:cBhvr>
-                                        <p:cTn id="125" dur="500" fill="hold"/>
-                                        <p:tgtEl>
-                                          <p:spTgt spid="68"/>
-                                        </p:tgtEl>
-                                        <p:attrNameLst>
-                                          <p:attrName>ppt_w</p:attrName>
-                                        </p:attrNameLst>
-                                      </p:cBhvr>
-                                      <p:tavLst>
-                                        <p:tav tm="0">
-                                          <p:val>
-                                            <p:fltVal val="0"/>
-                                          </p:val>
-                                        </p:tav>
-                                        <p:tav tm="100000">
-                                          <p:val>
-                                            <p:strVal val="#ppt_w"/>
-                                          </p:val>
-                                        </p:tav>
-                                      </p:tavLst>
-                                    </p:anim>
-                                    <p:anim calcmode="lin" valueType="num">
-                                      <p:cBhvr>
-                                        <p:cTn id="126" dur="500" fill="hold"/>
-                                        <p:tgtEl>
-                                          <p:spTgt spid="68"/>
-                                        </p:tgtEl>
-                                        <p:attrNameLst>
-                                          <p:attrName>ppt_h</p:attrName>
-                                        </p:attrNameLst>
-                                      </p:cBhvr>
-                                      <p:tavLst>
-                                        <p:tav tm="0">
-                                          <p:val>
-                                            <p:fltVal val="0"/>
-                                          </p:val>
-                                        </p:tav>
-                                        <p:tav tm="100000">
-                                          <p:val>
-                                            <p:strVal val="#ppt_h"/>
-                                          </p:val>
-                                        </p:tav>
-                                      </p:tavLst>
-                                    </p:anim>
-                                    <p:anim calcmode="lin" valueType="num">
-                                      <p:cBhvr>
-                                        <p:cTn id="127" dur="500" fill="hold"/>
-                                        <p:tgtEl>
-                                          <p:spTgt spid="68"/>
-                                        </p:tgtEl>
-                                        <p:attrNameLst>
-                                          <p:attrName>style.rotation</p:attrName>
-                                        </p:attrNameLst>
-                                      </p:cBhvr>
-                                      <p:tavLst>
-                                        <p:tav tm="0">
-                                          <p:val>
-                                            <p:fltVal val="360"/>
-                                          </p:val>
-                                        </p:tav>
-                                        <p:tav tm="100000">
-                                          <p:val>
-                                            <p:fltVal val="0"/>
-                                          </p:val>
-                                        </p:tav>
-                                      </p:tavLst>
-                                    </p:anim>
-                                    <p:animEffect transition="in" filter="fade">
-                                      <p:cBhvr>
-                                        <p:cTn id="128" dur="500"/>
-                                        <p:tgtEl>
-                                          <p:spTgt spid="68"/>
+                                        <p:cTn id="78" dur="500" tmFilter="0,0; .5, 1; 1, 1"/>
+                                        <p:tgtEl>
+                                          <p:spTgt spid="46"/>
                                         </p:tgtEl>
                                       </p:cBhvr>
                                     </p:animEffect>
@@ -6177,34 +5440,355 @@
                           </p:cTn>
                         </p:par>
                         <p:par>
-                          <p:cTn id="129" fill="hold">
+                          <p:cTn id="79" fill="hold">
                             <p:stCondLst>
-                              <p:cond delay="23200"/>
+                              <p:cond delay="17750"/>
                             </p:stCondLst>
                             <p:childTnLst>
                               <p:par>
-                                <p:cTn id="130" presetID="22" presetClass="exit" presetSubtype="4" fill="hold" grpId="1" nodeType="afterEffect">
+                                <p:cTn id="80" presetID="49" presetClass="entr" presetSubtype="0" decel="100000" fill="hold" grpId="11" nodeType="afterEffect">
                                   <p:stCondLst>
                                     <p:cond delay="1000"/>
                                   </p:stCondLst>
                                   <p:childTnLst>
+                                    <p:set>
+                                      <p:cBhvr>
+                                        <p:cTn id="81" dur="1" fill="hold">
+                                          <p:stCondLst>
+                                            <p:cond delay="0"/>
+                                          </p:stCondLst>
+                                        </p:cTn>
+                                        <p:tgtEl>
+                                          <p:spTgt spid="62"/>
+                                        </p:tgtEl>
+                                        <p:attrNameLst>
+                                          <p:attrName>style.visibility</p:attrName>
+                                        </p:attrNameLst>
+                                      </p:cBhvr>
+                                      <p:to>
+                                        <p:strVal val="visible"/>
+                                      </p:to>
+                                    </p:set>
+                                    <p:anim calcmode="lin" valueType="num">
+                                      <p:cBhvr>
+                                        <p:cTn id="82" dur="500" fill="hold"/>
+                                        <p:tgtEl>
+                                          <p:spTgt spid="62"/>
+                                        </p:tgtEl>
+                                        <p:attrNameLst>
+                                          <p:attrName>ppt_w</p:attrName>
+                                        </p:attrNameLst>
+                                      </p:cBhvr>
+                                      <p:tavLst>
+                                        <p:tav tm="0">
+                                          <p:val>
+                                            <p:fltVal val="0"/>
+                                          </p:val>
+                                        </p:tav>
+                                        <p:tav tm="100000">
+                                          <p:val>
+                                            <p:strVal val="#ppt_w"/>
+                                          </p:val>
+                                        </p:tav>
+                                      </p:tavLst>
+                                    </p:anim>
+                                    <p:anim calcmode="lin" valueType="num">
+                                      <p:cBhvr>
+                                        <p:cTn id="83" dur="500" fill="hold"/>
+                                        <p:tgtEl>
+                                          <p:spTgt spid="62"/>
+                                        </p:tgtEl>
+                                        <p:attrNameLst>
+                                          <p:attrName>ppt_h</p:attrName>
+                                        </p:attrNameLst>
+                                      </p:cBhvr>
+                                      <p:tavLst>
+                                        <p:tav tm="0">
+                                          <p:val>
+                                            <p:fltVal val="0"/>
+                                          </p:val>
+                                        </p:tav>
+                                        <p:tav tm="100000">
+                                          <p:val>
+                                            <p:strVal val="#ppt_h"/>
+                                          </p:val>
+                                        </p:tav>
+                                      </p:tavLst>
+                                    </p:anim>
+                                    <p:anim calcmode="lin" valueType="num">
+                                      <p:cBhvr>
+                                        <p:cTn id="84" dur="500" fill="hold"/>
+                                        <p:tgtEl>
+                                          <p:spTgt spid="62"/>
+                                        </p:tgtEl>
+                                        <p:attrNameLst>
+                                          <p:attrName>style.rotation</p:attrName>
+                                        </p:attrNameLst>
+                                      </p:cBhvr>
+                                      <p:tavLst>
+                                        <p:tav tm="0">
+                                          <p:val>
+                                            <p:fltVal val="360"/>
+                                          </p:val>
+                                        </p:tav>
+                                        <p:tav tm="100000">
+                                          <p:val>
+                                            <p:fltVal val="0"/>
+                                          </p:val>
+                                        </p:tav>
+                                      </p:tavLst>
+                                    </p:anim>
+                                    <p:animEffect transition="in" filter="fade">
+                                      <p:cBhvr>
+                                        <p:cTn id="85" dur="500"/>
+                                        <p:tgtEl>
+                                          <p:spTgt spid="62"/>
+                                        </p:tgtEl>
+                                      </p:cBhvr>
+                                    </p:animEffect>
+                                  </p:childTnLst>
+                                </p:cTn>
+                              </p:par>
+                              <p:par>
+                                <p:cTn id="86" presetID="49" presetClass="entr" presetSubtype="0" decel="100000" fill="hold" grpId="11" nodeType="withEffect">
+                                  <p:stCondLst>
+                                    <p:cond delay="1000"/>
+                                  </p:stCondLst>
+                                  <p:childTnLst>
+                                    <p:set>
+                                      <p:cBhvr>
+                                        <p:cTn id="87" dur="1" fill="hold">
+                                          <p:stCondLst>
+                                            <p:cond delay="0"/>
+                                          </p:stCondLst>
+                                        </p:cTn>
+                                        <p:tgtEl>
+                                          <p:spTgt spid="64"/>
+                                        </p:tgtEl>
+                                        <p:attrNameLst>
+                                          <p:attrName>style.visibility</p:attrName>
+                                        </p:attrNameLst>
+                                      </p:cBhvr>
+                                      <p:to>
+                                        <p:strVal val="visible"/>
+                                      </p:to>
+                                    </p:set>
+                                    <p:anim calcmode="lin" valueType="num">
+                                      <p:cBhvr>
+                                        <p:cTn id="88" dur="500" fill="hold"/>
+                                        <p:tgtEl>
+                                          <p:spTgt spid="64"/>
+                                        </p:tgtEl>
+                                        <p:attrNameLst>
+                                          <p:attrName>ppt_w</p:attrName>
+                                        </p:attrNameLst>
+                                      </p:cBhvr>
+                                      <p:tavLst>
+                                        <p:tav tm="0">
+                                          <p:val>
+                                            <p:fltVal val="0"/>
+                                          </p:val>
+                                        </p:tav>
+                                        <p:tav tm="100000">
+                                          <p:val>
+                                            <p:strVal val="#ppt_w"/>
+                                          </p:val>
+                                        </p:tav>
+                                      </p:tavLst>
+                                    </p:anim>
+                                    <p:anim calcmode="lin" valueType="num">
+                                      <p:cBhvr>
+                                        <p:cTn id="89" dur="500" fill="hold"/>
+                                        <p:tgtEl>
+                                          <p:spTgt spid="64"/>
+                                        </p:tgtEl>
+                                        <p:attrNameLst>
+                                          <p:attrName>ppt_h</p:attrName>
+                                        </p:attrNameLst>
+                                      </p:cBhvr>
+                                      <p:tavLst>
+                                        <p:tav tm="0">
+                                          <p:val>
+                                            <p:fltVal val="0"/>
+                                          </p:val>
+                                        </p:tav>
+                                        <p:tav tm="100000">
+                                          <p:val>
+                                            <p:strVal val="#ppt_h"/>
+                                          </p:val>
+                                        </p:tav>
+                                      </p:tavLst>
+                                    </p:anim>
+                                    <p:anim calcmode="lin" valueType="num">
+                                      <p:cBhvr>
+                                        <p:cTn id="90" dur="500" fill="hold"/>
+                                        <p:tgtEl>
+                                          <p:spTgt spid="64"/>
+                                        </p:tgtEl>
+                                        <p:attrNameLst>
+                                          <p:attrName>style.rotation</p:attrName>
+                                        </p:attrNameLst>
+                                      </p:cBhvr>
+                                      <p:tavLst>
+                                        <p:tav tm="0">
+                                          <p:val>
+                                            <p:fltVal val="360"/>
+                                          </p:val>
+                                        </p:tav>
+                                        <p:tav tm="100000">
+                                          <p:val>
+                                            <p:fltVal val="0"/>
+                                          </p:val>
+                                        </p:tav>
+                                      </p:tavLst>
+                                    </p:anim>
+                                    <p:animEffect transition="in" filter="fade">
+                                      <p:cBhvr>
+                                        <p:cTn id="91" dur="500"/>
+                                        <p:tgtEl>
+                                          <p:spTgt spid="64"/>
+                                        </p:tgtEl>
+                                      </p:cBhvr>
+                                    </p:animEffect>
+                                  </p:childTnLst>
+                                </p:cTn>
+                              </p:par>
+                              <p:par>
+                                <p:cTn id="92" presetID="49" presetClass="entr" presetSubtype="0" decel="100000" fill="hold" grpId="11" nodeType="withEffect">
+                                  <p:stCondLst>
+                                    <p:cond delay="1000"/>
+                                  </p:stCondLst>
+                                  <p:childTnLst>
+                                    <p:set>
+                                      <p:cBhvr>
+                                        <p:cTn id="93" dur="1" fill="hold">
+                                          <p:stCondLst>
+                                            <p:cond delay="0"/>
+                                          </p:stCondLst>
+                                        </p:cTn>
+                                        <p:tgtEl>
+                                          <p:spTgt spid="65"/>
+                                        </p:tgtEl>
+                                        <p:attrNameLst>
+                                          <p:attrName>style.visibility</p:attrName>
+                                        </p:attrNameLst>
+                                      </p:cBhvr>
+                                      <p:to>
+                                        <p:strVal val="visible"/>
+                                      </p:to>
+                                    </p:set>
+                                    <p:anim calcmode="lin" valueType="num">
+                                      <p:cBhvr>
+                                        <p:cTn id="94" dur="500" fill="hold"/>
+                                        <p:tgtEl>
+                                          <p:spTgt spid="65"/>
+                                        </p:tgtEl>
+                                        <p:attrNameLst>
+                                          <p:attrName>ppt_w</p:attrName>
+                                        </p:attrNameLst>
+                                      </p:cBhvr>
+                                      <p:tavLst>
+                                        <p:tav tm="0">
+                                          <p:val>
+                                            <p:fltVal val="0"/>
+                                          </p:val>
+                                        </p:tav>
+                                        <p:tav tm="100000">
+                                          <p:val>
+                                            <p:strVal val="#ppt_w"/>
+                                          </p:val>
+                                        </p:tav>
+                                      </p:tavLst>
+                                    </p:anim>
+                                    <p:anim calcmode="lin" valueType="num">
+                                      <p:cBhvr>
+                                        <p:cTn id="95" dur="500" fill="hold"/>
+                                        <p:tgtEl>
+                                          <p:spTgt spid="65"/>
+                                        </p:tgtEl>
+                                        <p:attrNameLst>
+                                          <p:attrName>ppt_h</p:attrName>
+                                        </p:attrNameLst>
+                                      </p:cBhvr>
+                                      <p:tavLst>
+                                        <p:tav tm="0">
+                                          <p:val>
+                                            <p:fltVal val="0"/>
+                                          </p:val>
+                                        </p:tav>
+                                        <p:tav tm="100000">
+                                          <p:val>
+                                            <p:strVal val="#ppt_h"/>
+                                          </p:val>
+                                        </p:tav>
+                                      </p:tavLst>
+                                    </p:anim>
+                                    <p:anim calcmode="lin" valueType="num">
+                                      <p:cBhvr>
+                                        <p:cTn id="96" dur="500" fill="hold"/>
+                                        <p:tgtEl>
+                                          <p:spTgt spid="65"/>
+                                        </p:tgtEl>
+                                        <p:attrNameLst>
+                                          <p:attrName>style.rotation</p:attrName>
+                                        </p:attrNameLst>
+                                      </p:cBhvr>
+                                      <p:tavLst>
+                                        <p:tav tm="0">
+                                          <p:val>
+                                            <p:fltVal val="360"/>
+                                          </p:val>
+                                        </p:tav>
+                                        <p:tav tm="100000">
+                                          <p:val>
+                                            <p:fltVal val="0"/>
+                                          </p:val>
+                                        </p:tav>
+                                      </p:tavLst>
+                                    </p:anim>
+                                    <p:animEffect transition="in" filter="fade">
+                                      <p:cBhvr>
+                                        <p:cTn id="97" dur="500"/>
+                                        <p:tgtEl>
+                                          <p:spTgt spid="65"/>
+                                        </p:tgtEl>
+                                      </p:cBhvr>
+                                    </p:animEffect>
+                                  </p:childTnLst>
+                                </p:cTn>
+                              </p:par>
+                            </p:childTnLst>
+                          </p:cTn>
+                        </p:par>
+                        <p:par>
+                          <p:cTn id="98" fill="hold">
+                            <p:stCondLst>
+                              <p:cond delay="19250"/>
+                            </p:stCondLst>
+                            <p:childTnLst>
+                              <p:par>
+                                <p:cTn id="99" presetID="22" presetClass="exit" presetSubtype="4" fill="hold" grpId="18" nodeType="afterEffect">
+                                  <p:stCondLst>
+                                    <p:cond delay="2000"/>
+                                  </p:stCondLst>
+                                  <p:childTnLst>
                                     <p:animEffect transition="out" filter="wipe(down)">
                                       <p:cBhvr>
-                                        <p:cTn id="131" dur="500"/>
-                                        <p:tgtEl>
-                                          <p:spTgt spid="66"/>
+                                        <p:cTn id="100" dur="500"/>
+                                        <p:tgtEl>
+                                          <p:spTgt spid="62"/>
                                         </p:tgtEl>
                                       </p:cBhvr>
                                     </p:animEffect>
                                     <p:set>
                                       <p:cBhvr>
-                                        <p:cTn id="132" dur="1" fill="hold">
+                                        <p:cTn id="101" dur="1" fill="hold">
                                           <p:stCondLst>
                                             <p:cond delay="499"/>
                                           </p:stCondLst>
                                         </p:cTn>
                                         <p:tgtEl>
-                                          <p:spTgt spid="66"/>
+                                          <p:spTgt spid="62"/>
                                         </p:tgtEl>
                                         <p:attrNameLst>
                                           <p:attrName>style.visibility</p:attrName>
@@ -6218,28 +5802,28 @@
                                 </p:cTn>
                               </p:par>
                               <p:par>
-                                <p:cTn id="133" presetID="22" presetClass="exit" presetSubtype="4" fill="hold" grpId="1" nodeType="withEffect">
+                                <p:cTn id="102" presetID="22" presetClass="exit" presetSubtype="4" fill="hold" grpId="18" nodeType="withEffect">
                                   <p:stCondLst>
-                                    <p:cond delay="1000"/>
+                                    <p:cond delay="2000"/>
                                   </p:stCondLst>
                                   <p:childTnLst>
                                     <p:animEffect transition="out" filter="wipe(down)">
                                       <p:cBhvr>
-                                        <p:cTn id="134" dur="500"/>
-                                        <p:tgtEl>
-                                          <p:spTgt spid="67"/>
+                                        <p:cTn id="103" dur="500"/>
+                                        <p:tgtEl>
+                                          <p:spTgt spid="64"/>
                                         </p:tgtEl>
                                       </p:cBhvr>
                                     </p:animEffect>
                                     <p:set>
                                       <p:cBhvr>
-                                        <p:cTn id="135" dur="1" fill="hold">
+                                        <p:cTn id="104" dur="1" fill="hold">
                                           <p:stCondLst>
                                             <p:cond delay="499"/>
                                           </p:stCondLst>
                                         </p:cTn>
                                         <p:tgtEl>
-                                          <p:spTgt spid="67"/>
+                                          <p:spTgt spid="64"/>
                                         </p:tgtEl>
                                         <p:attrNameLst>
                                           <p:attrName>style.visibility</p:attrName>
@@ -6253,28 +5837,28 @@
                                 </p:cTn>
                               </p:par>
                               <p:par>
-                                <p:cTn id="136" presetID="22" presetClass="exit" presetSubtype="4" fill="hold" grpId="1" nodeType="withEffect">
+                                <p:cTn id="105" presetID="22" presetClass="exit" presetSubtype="4" fill="hold" grpId="18" nodeType="withEffect">
                                   <p:stCondLst>
-                                    <p:cond delay="1000"/>
+                                    <p:cond delay="2000"/>
                                   </p:stCondLst>
                                   <p:childTnLst>
                                     <p:animEffect transition="out" filter="wipe(down)">
                                       <p:cBhvr>
-                                        <p:cTn id="137" dur="500"/>
-                                        <p:tgtEl>
-                                          <p:spTgt spid="68"/>
+                                        <p:cTn id="106" dur="500"/>
+                                        <p:tgtEl>
+                                          <p:spTgt spid="65"/>
                                         </p:tgtEl>
                                       </p:cBhvr>
                                     </p:animEffect>
                                     <p:set>
                                       <p:cBhvr>
-                                        <p:cTn id="138" dur="1" fill="hold">
+                                        <p:cTn id="107" dur="1" fill="hold">
                                           <p:stCondLst>
                                             <p:cond delay="499"/>
                                           </p:stCondLst>
                                         </p:cTn>
                                         <p:tgtEl>
-                                          <p:spTgt spid="68"/>
+                                          <p:spTgt spid="65"/>
                                         </p:tgtEl>
                                         <p:attrNameLst>
                                           <p:attrName>style.visibility</p:attrName>
@@ -6291,26 +5875,26 @@
                           </p:cTn>
                         </p:par>
                         <p:par>
-                          <p:cTn id="139" fill="hold">
+                          <p:cTn id="108" fill="hold">
                             <p:stCondLst>
-                              <p:cond delay="24700"/>
+                              <p:cond delay="21750"/>
                             </p:stCondLst>
                             <p:childTnLst>
                               <p:par>
-                                <p:cTn id="140" presetID="31" presetClass="entr" presetSubtype="0" fill="hold" nodeType="afterEffect">
+                                <p:cTn id="109" presetID="31" presetClass="entr" presetSubtype="0" fill="hold" nodeType="afterEffect">
                                   <p:stCondLst>
-                                    <p:cond delay="1000"/>
+                                    <p:cond delay="0"/>
                                   </p:stCondLst>
                                   <p:childTnLst>
                                     <p:set>
                                       <p:cBhvr>
-                                        <p:cTn id="141" dur="1" fill="hold">
+                                        <p:cTn id="110" dur="1" fill="hold">
                                           <p:stCondLst>
                                             <p:cond delay="0"/>
                                           </p:stCondLst>
                                         </p:cTn>
                                         <p:tgtEl>
-                                          <p:spTgt spid="25"/>
+                                          <p:spTgt spid="22"/>
                                         </p:tgtEl>
                                         <p:attrNameLst>
                                           <p:attrName>style.visibility</p:attrName>
@@ -6322,9 +5906,9 @@
                                     </p:set>
                                     <p:anim calcmode="lin" valueType="num">
                                       <p:cBhvr>
-                                        <p:cTn id="142" dur="1000" fill="hold"/>
-                                        <p:tgtEl>
-                                          <p:spTgt spid="25"/>
+                                        <p:cTn id="111" dur="1000" fill="hold"/>
+                                        <p:tgtEl>
+                                          <p:spTgt spid="22"/>
                                         </p:tgtEl>
                                         <p:attrNameLst>
                                           <p:attrName>ppt_w</p:attrName>
@@ -6345,9 +5929,9 @@
                                     </p:anim>
                                     <p:anim calcmode="lin" valueType="num">
                                       <p:cBhvr>
-                                        <p:cTn id="143" dur="1000" fill="hold"/>
-                                        <p:tgtEl>
-                                          <p:spTgt spid="25"/>
+                                        <p:cTn id="112" dur="1000" fill="hold"/>
+                                        <p:tgtEl>
+                                          <p:spTgt spid="22"/>
                                         </p:tgtEl>
                                         <p:attrNameLst>
                                           <p:attrName>ppt_h</p:attrName>
@@ -6368,9 +5952,9 @@
                                     </p:anim>
                                     <p:anim calcmode="lin" valueType="num">
                                       <p:cBhvr>
-                                        <p:cTn id="144" dur="1000" fill="hold"/>
-                                        <p:tgtEl>
-                                          <p:spTgt spid="25"/>
+                                        <p:cTn id="113" dur="1000" fill="hold"/>
+                                        <p:tgtEl>
+                                          <p:spTgt spid="22"/>
                                         </p:tgtEl>
                                         <p:attrNameLst>
                                           <p:attrName>style.rotation</p:attrName>
@@ -6391,9 +5975,9 @@
                                     </p:anim>
                                     <p:animEffect transition="in" filter="fade">
                                       <p:cBhvr>
-                                        <p:cTn id="145" dur="1000"/>
-                                        <p:tgtEl>
-                                          <p:spTgt spid="25"/>
+                                        <p:cTn id="114" dur="1000"/>
+                                        <p:tgtEl>
+                                          <p:spTgt spid="22"/>
                                         </p:tgtEl>
                                       </p:cBhvr>
                                     </p:animEffect>
@@ -6404,26 +5988,26 @@
                           </p:cTn>
                         </p:par>
                         <p:par>
-                          <p:cTn id="146" fill="hold">
+                          <p:cTn id="115" fill="hold">
                             <p:stCondLst>
-                              <p:cond delay="26700"/>
+                              <p:cond delay="22750"/>
                             </p:stCondLst>
                             <p:childTnLst>
                               <p:par>
-                                <p:cTn id="147" presetID="23" presetClass="entr" presetSubtype="16" fill="hold" grpId="25" nodeType="afterEffect">
+                                <p:cTn id="116" presetID="23" presetClass="entr" presetSubtype="16" fill="hold" grpId="10" nodeType="afterEffect">
                                   <p:stCondLst>
-                                    <p:cond delay="0"/>
+                                    <p:cond delay="1000"/>
                                   </p:stCondLst>
                                   <p:childTnLst>
                                     <p:set>
                                       <p:cBhvr>
-                                        <p:cTn id="148" dur="1" fill="hold">
+                                        <p:cTn id="117" dur="1" fill="hold">
                                           <p:stCondLst>
                                             <p:cond delay="0"/>
                                           </p:stCondLst>
                                         </p:cTn>
                                         <p:tgtEl>
-                                          <p:spTgt spid="29"/>
+                                          <p:spTgt spid="20"/>
                                         </p:tgtEl>
                                         <p:attrNameLst>
                                           <p:attrName>style.visibility</p:attrName>
@@ -6435,9 +6019,9 @@
                                     </p:set>
                                     <p:anim calcmode="lin" valueType="num">
                                       <p:cBhvr>
-                                        <p:cTn id="149" dur="500" fill="hold"/>
-                                        <p:tgtEl>
-                                          <p:spTgt spid="29"/>
+                                        <p:cTn id="118" dur="500" fill="hold"/>
+                                        <p:tgtEl>
+                                          <p:spTgt spid="20"/>
                                         </p:tgtEl>
                                         <p:attrNameLst>
                                           <p:attrName>ppt_w</p:attrName>
@@ -6458,9 +6042,9 @@
                                     </p:anim>
                                     <p:anim calcmode="lin" valueType="num">
                                       <p:cBhvr>
-                                        <p:cTn id="150" dur="500" fill="hold"/>
-                                        <p:tgtEl>
-                                          <p:spTgt spid="29"/>
+                                        <p:cTn id="119" dur="500" fill="hold"/>
+                                        <p:tgtEl>
+                                          <p:spTgt spid="20"/>
                                         </p:tgtEl>
                                         <p:attrNameLst>
                                           <p:attrName>ppt_h</p:attrName>
@@ -6483,20 +6067,20 @@
                                 </p:cTn>
                               </p:par>
                               <p:par>
-                                <p:cTn id="151" presetID="23" presetClass="entr" presetSubtype="16" fill="hold" grpId="25" nodeType="withEffect">
+                                <p:cTn id="120" presetID="23" presetClass="entr" presetSubtype="16" fill="hold" grpId="11" nodeType="withEffect">
                                   <p:stCondLst>
-                                    <p:cond delay="0"/>
+                                    <p:cond delay="1000"/>
                                   </p:stCondLst>
                                   <p:childTnLst>
                                     <p:set>
                                       <p:cBhvr>
-                                        <p:cTn id="152" dur="1" fill="hold">
+                                        <p:cTn id="121" dur="1" fill="hold">
                                           <p:stCondLst>
                                             <p:cond delay="0"/>
                                           </p:stCondLst>
                                         </p:cTn>
                                         <p:tgtEl>
-                                          <p:spTgt spid="28"/>
+                                          <p:spTgt spid="23"/>
                                         </p:tgtEl>
                                         <p:attrNameLst>
                                           <p:attrName>style.visibility</p:attrName>
@@ -6508,9 +6092,9 @@
                                     </p:set>
                                     <p:anim calcmode="lin" valueType="num">
                                       <p:cBhvr>
-                                        <p:cTn id="153" dur="500" fill="hold"/>
-                                        <p:tgtEl>
-                                          <p:spTgt spid="28"/>
+                                        <p:cTn id="122" dur="500" fill="hold"/>
+                                        <p:tgtEl>
+                                          <p:spTgt spid="23"/>
                                         </p:tgtEl>
                                         <p:attrNameLst>
                                           <p:attrName>ppt_w</p:attrName>
@@ -6531,9 +6115,82 @@
                                     </p:anim>
                                     <p:anim calcmode="lin" valueType="num">
                                       <p:cBhvr>
-                                        <p:cTn id="154" dur="500" fill="hold"/>
-                                        <p:tgtEl>
-                                          <p:spTgt spid="28"/>
+                                        <p:cTn id="123" dur="500" fill="hold"/>
+                                        <p:tgtEl>
+                                          <p:spTgt spid="23"/>
+                                        </p:tgtEl>
+                                        <p:attrNameLst>
+                                          <p:attrName>ppt_h</p:attrName>
+                                        </p:attrNameLst>
+                                      </p:cBhvr>
+                                      <p:tavLst>
+                                        <p:tav tm="0">
+                                          <p:val>
+                                            <p:fltVal val="0"/>
+                                          </p:val>
+                                        </p:tav>
+                                        <p:tav tm="100000">
+                                          <p:val>
+                                            <p:strVal val="#ppt_h"/>
+                                          </p:val>
+                                        </p:tav>
+                                      </p:tavLst>
+                                    </p:anim>
+                                  </p:childTnLst>
+                                </p:cTn>
+                              </p:par>
+                              <p:par>
+                                <p:cTn id="124" presetID="23" presetClass="entr" presetSubtype="16" fill="hold" grpId="11" nodeType="withEffect">
+                                  <p:stCondLst>
+                                    <p:cond delay="1000"/>
+                                  </p:stCondLst>
+                                  <p:childTnLst>
+                                    <p:set>
+                                      <p:cBhvr>
+                                        <p:cTn id="125" dur="1" fill="hold">
+                                          <p:stCondLst>
+                                            <p:cond delay="0"/>
+                                          </p:stCondLst>
+                                        </p:cTn>
+                                        <p:tgtEl>
+                                          <p:spTgt spid="24"/>
+                                        </p:tgtEl>
+                                        <p:attrNameLst>
+                                          <p:attrName>style.visibility</p:attrName>
+                                        </p:attrNameLst>
+                                      </p:cBhvr>
+                                      <p:to>
+                                        <p:strVal val="visible"/>
+                                      </p:to>
+                                    </p:set>
+                                    <p:anim calcmode="lin" valueType="num">
+                                      <p:cBhvr>
+                                        <p:cTn id="126" dur="500" fill="hold"/>
+                                        <p:tgtEl>
+                                          <p:spTgt spid="24"/>
+                                        </p:tgtEl>
+                                        <p:attrNameLst>
+                                          <p:attrName>ppt_w</p:attrName>
+                                        </p:attrNameLst>
+                                      </p:cBhvr>
+                                      <p:tavLst>
+                                        <p:tav tm="0">
+                                          <p:val>
+                                            <p:fltVal val="0"/>
+                                          </p:val>
+                                        </p:tav>
+                                        <p:tav tm="100000">
+                                          <p:val>
+                                            <p:strVal val="#ppt_w"/>
+                                          </p:val>
+                                        </p:tav>
+                                      </p:tavLst>
+                                    </p:anim>
+                                    <p:anim calcmode="lin" valueType="num">
+                                      <p:cBhvr>
+                                        <p:cTn id="127" dur="500" fill="hold"/>
+                                        <p:tgtEl>
+                                          <p:spTgt spid="24"/>
                                         </p:tgtEl>
                                         <p:attrNameLst>
                                           <p:attrName>ppt_h</p:attrName>
@@ -6559,13 +6216,716 @@
                           </p:cTn>
                         </p:par>
                         <p:par>
-                          <p:cTn id="155" fill="hold">
+                          <p:cTn id="128" fill="hold">
                             <p:stCondLst>
-                              <p:cond delay="27200"/>
+                              <p:cond delay="24250"/>
                             </p:stCondLst>
                             <p:childTnLst>
                               <p:par>
-                                <p:cTn id="156" presetID="56" presetClass="entr" presetSubtype="0" fill="hold" grpId="6" nodeType="afterEffect">
+                                <p:cTn id="129" presetID="49" presetClass="entr" presetSubtype="0" decel="100000" fill="hold" grpId="0" nodeType="afterEffect">
+                                  <p:stCondLst>
+                                    <p:cond delay="1000"/>
+                                  </p:stCondLst>
+                                  <p:childTnLst>
+                                    <p:set>
+                                      <p:cBhvr>
+                                        <p:cTn id="130" dur="1" fill="hold">
+                                          <p:stCondLst>
+                                            <p:cond delay="0"/>
+                                          </p:stCondLst>
+                                        </p:cTn>
+                                        <p:tgtEl>
+                                          <p:spTgt spid="66"/>
+                                        </p:tgtEl>
+                                        <p:attrNameLst>
+                                          <p:attrName>style.visibility</p:attrName>
+                                        </p:attrNameLst>
+                                      </p:cBhvr>
+                                      <p:to>
+                                        <p:strVal val="visible"/>
+                                      </p:to>
+                                    </p:set>
+                                    <p:anim calcmode="lin" valueType="num">
+                                      <p:cBhvr>
+                                        <p:cTn id="131" dur="500" fill="hold"/>
+                                        <p:tgtEl>
+                                          <p:spTgt spid="66"/>
+                                        </p:tgtEl>
+                                        <p:attrNameLst>
+                                          <p:attrName>ppt_w</p:attrName>
+                                        </p:attrNameLst>
+                                      </p:cBhvr>
+                                      <p:tavLst>
+                                        <p:tav tm="0">
+                                          <p:val>
+                                            <p:fltVal val="0"/>
+                                          </p:val>
+                                        </p:tav>
+                                        <p:tav tm="100000">
+                                          <p:val>
+                                            <p:strVal val="#ppt_w"/>
+                                          </p:val>
+                                        </p:tav>
+                                      </p:tavLst>
+                                    </p:anim>
+                                    <p:anim calcmode="lin" valueType="num">
+                                      <p:cBhvr>
+                                        <p:cTn id="132" dur="500" fill="hold"/>
+                                        <p:tgtEl>
+                                          <p:spTgt spid="66"/>
+                                        </p:tgtEl>
+                                        <p:attrNameLst>
+                                          <p:attrName>ppt_h</p:attrName>
+                                        </p:attrNameLst>
+                                      </p:cBhvr>
+                                      <p:tavLst>
+                                        <p:tav tm="0">
+                                          <p:val>
+                                            <p:fltVal val="0"/>
+                                          </p:val>
+                                        </p:tav>
+                                        <p:tav tm="100000">
+                                          <p:val>
+                                            <p:strVal val="#ppt_h"/>
+                                          </p:val>
+                                        </p:tav>
+                                      </p:tavLst>
+                                    </p:anim>
+                                    <p:anim calcmode="lin" valueType="num">
+                                      <p:cBhvr>
+                                        <p:cTn id="133" dur="500" fill="hold"/>
+                                        <p:tgtEl>
+                                          <p:spTgt spid="66"/>
+                                        </p:tgtEl>
+                                        <p:attrNameLst>
+                                          <p:attrName>style.rotation</p:attrName>
+                                        </p:attrNameLst>
+                                      </p:cBhvr>
+                                      <p:tavLst>
+                                        <p:tav tm="0">
+                                          <p:val>
+                                            <p:fltVal val="360"/>
+                                          </p:val>
+                                        </p:tav>
+                                        <p:tav tm="100000">
+                                          <p:val>
+                                            <p:fltVal val="0"/>
+                                          </p:val>
+                                        </p:tav>
+                                      </p:tavLst>
+                                    </p:anim>
+                                    <p:animEffect transition="in" filter="fade">
+                                      <p:cBhvr>
+                                        <p:cTn id="134" dur="500"/>
+                                        <p:tgtEl>
+                                          <p:spTgt spid="66"/>
+                                        </p:tgtEl>
+                                      </p:cBhvr>
+                                    </p:animEffect>
+                                  </p:childTnLst>
+                                </p:cTn>
+                              </p:par>
+                              <p:par>
+                                <p:cTn id="135" presetID="49" presetClass="entr" presetSubtype="0" decel="100000" fill="hold" grpId="0" nodeType="withEffect">
+                                  <p:stCondLst>
+                                    <p:cond delay="1000"/>
+                                  </p:stCondLst>
+                                  <p:childTnLst>
+                                    <p:set>
+                                      <p:cBhvr>
+                                        <p:cTn id="136" dur="1" fill="hold">
+                                          <p:stCondLst>
+                                            <p:cond delay="0"/>
+                                          </p:stCondLst>
+                                        </p:cTn>
+                                        <p:tgtEl>
+                                          <p:spTgt spid="67"/>
+                                        </p:tgtEl>
+                                        <p:attrNameLst>
+                                          <p:attrName>style.visibility</p:attrName>
+                                        </p:attrNameLst>
+                                      </p:cBhvr>
+                                      <p:to>
+                                        <p:strVal val="visible"/>
+                                      </p:to>
+                                    </p:set>
+                                    <p:anim calcmode="lin" valueType="num">
+                                      <p:cBhvr>
+                                        <p:cTn id="137" dur="500" fill="hold"/>
+                                        <p:tgtEl>
+                                          <p:spTgt spid="67"/>
+                                        </p:tgtEl>
+                                        <p:attrNameLst>
+                                          <p:attrName>ppt_w</p:attrName>
+                                        </p:attrNameLst>
+                                      </p:cBhvr>
+                                      <p:tavLst>
+                                        <p:tav tm="0">
+                                          <p:val>
+                                            <p:fltVal val="0"/>
+                                          </p:val>
+                                        </p:tav>
+                                        <p:tav tm="100000">
+                                          <p:val>
+                                            <p:strVal val="#ppt_w"/>
+                                          </p:val>
+                                        </p:tav>
+                                      </p:tavLst>
+                                    </p:anim>
+                                    <p:anim calcmode="lin" valueType="num">
+                                      <p:cBhvr>
+                                        <p:cTn id="138" dur="500" fill="hold"/>
+                                        <p:tgtEl>
+                                          <p:spTgt spid="67"/>
+                                        </p:tgtEl>
+                                        <p:attrNameLst>
+                                          <p:attrName>ppt_h</p:attrName>
+                                        </p:attrNameLst>
+                                      </p:cBhvr>
+                                      <p:tavLst>
+                                        <p:tav tm="0">
+                                          <p:val>
+                                            <p:fltVal val="0"/>
+                                          </p:val>
+                                        </p:tav>
+                                        <p:tav tm="100000">
+                                          <p:val>
+                                            <p:strVal val="#ppt_h"/>
+                                          </p:val>
+                                        </p:tav>
+                                      </p:tavLst>
+                                    </p:anim>
+                                    <p:anim calcmode="lin" valueType="num">
+                                      <p:cBhvr>
+                                        <p:cTn id="139" dur="500" fill="hold"/>
+                                        <p:tgtEl>
+                                          <p:spTgt spid="67"/>
+                                        </p:tgtEl>
+                                        <p:attrNameLst>
+                                          <p:attrName>style.rotation</p:attrName>
+                                        </p:attrNameLst>
+                                      </p:cBhvr>
+                                      <p:tavLst>
+                                        <p:tav tm="0">
+                                          <p:val>
+                                            <p:fltVal val="360"/>
+                                          </p:val>
+                                        </p:tav>
+                                        <p:tav tm="100000">
+                                          <p:val>
+                                            <p:fltVal val="0"/>
+                                          </p:val>
+                                        </p:tav>
+                                      </p:tavLst>
+                                    </p:anim>
+                                    <p:animEffect transition="in" filter="fade">
+                                      <p:cBhvr>
+                                        <p:cTn id="140" dur="500"/>
+                                        <p:tgtEl>
+                                          <p:spTgt spid="67"/>
+                                        </p:tgtEl>
+                                      </p:cBhvr>
+                                    </p:animEffect>
+                                  </p:childTnLst>
+                                </p:cTn>
+                              </p:par>
+                              <p:par>
+                                <p:cTn id="141" presetID="49" presetClass="entr" presetSubtype="0" decel="100000" fill="hold" grpId="0" nodeType="withEffect">
+                                  <p:stCondLst>
+                                    <p:cond delay="1000"/>
+                                  </p:stCondLst>
+                                  <p:childTnLst>
+                                    <p:set>
+                                      <p:cBhvr>
+                                        <p:cTn id="142" dur="1" fill="hold">
+                                          <p:stCondLst>
+                                            <p:cond delay="0"/>
+                                          </p:stCondLst>
+                                        </p:cTn>
+                                        <p:tgtEl>
+                                          <p:spTgt spid="68"/>
+                                        </p:tgtEl>
+                                        <p:attrNameLst>
+                                          <p:attrName>style.visibility</p:attrName>
+                                        </p:attrNameLst>
+                                      </p:cBhvr>
+                                      <p:to>
+                                        <p:strVal val="visible"/>
+                                      </p:to>
+                                    </p:set>
+                                    <p:anim calcmode="lin" valueType="num">
+                                      <p:cBhvr>
+                                        <p:cTn id="143" dur="500" fill="hold"/>
+                                        <p:tgtEl>
+                                          <p:spTgt spid="68"/>
+                                        </p:tgtEl>
+                                        <p:attrNameLst>
+                                          <p:attrName>ppt_w</p:attrName>
+                                        </p:attrNameLst>
+                                      </p:cBhvr>
+                                      <p:tavLst>
+                                        <p:tav tm="0">
+                                          <p:val>
+                                            <p:fltVal val="0"/>
+                                          </p:val>
+                                        </p:tav>
+                                        <p:tav tm="100000">
+                                          <p:val>
+                                            <p:strVal val="#ppt_w"/>
+                                          </p:val>
+                                        </p:tav>
+                                      </p:tavLst>
+                                    </p:anim>
+                                    <p:anim calcmode="lin" valueType="num">
+                                      <p:cBhvr>
+                                        <p:cTn id="144" dur="500" fill="hold"/>
+                                        <p:tgtEl>
+                                          <p:spTgt spid="68"/>
+                                        </p:tgtEl>
+                                        <p:attrNameLst>
+                                          <p:attrName>ppt_h</p:attrName>
+                                        </p:attrNameLst>
+                                      </p:cBhvr>
+                                      <p:tavLst>
+                                        <p:tav tm="0">
+                                          <p:val>
+                                            <p:fltVal val="0"/>
+                                          </p:val>
+                                        </p:tav>
+                                        <p:tav tm="100000">
+                                          <p:val>
+                                            <p:strVal val="#ppt_h"/>
+                                          </p:val>
+                                        </p:tav>
+                                      </p:tavLst>
+                                    </p:anim>
+                                    <p:anim calcmode="lin" valueType="num">
+                                      <p:cBhvr>
+                                        <p:cTn id="145" dur="500" fill="hold"/>
+                                        <p:tgtEl>
+                                          <p:spTgt spid="68"/>
+                                        </p:tgtEl>
+                                        <p:attrNameLst>
+                                          <p:attrName>style.rotation</p:attrName>
+                                        </p:attrNameLst>
+                                      </p:cBhvr>
+                                      <p:tavLst>
+                                        <p:tav tm="0">
+                                          <p:val>
+                                            <p:fltVal val="360"/>
+                                          </p:val>
+                                        </p:tav>
+                                        <p:tav tm="100000">
+                                          <p:val>
+                                            <p:fltVal val="0"/>
+                                          </p:val>
+                                        </p:tav>
+                                      </p:tavLst>
+                                    </p:anim>
+                                    <p:animEffect transition="in" filter="fade">
+                                      <p:cBhvr>
+                                        <p:cTn id="146" dur="500"/>
+                                        <p:tgtEl>
+                                          <p:spTgt spid="68"/>
+                                        </p:tgtEl>
+                                      </p:cBhvr>
+                                    </p:animEffect>
+                                  </p:childTnLst>
+                                </p:cTn>
+                              </p:par>
+                            </p:childTnLst>
+                          </p:cTn>
+                        </p:par>
+                        <p:par>
+                          <p:cTn id="147" fill="hold">
+                            <p:stCondLst>
+                              <p:cond delay="25750"/>
+                            </p:stCondLst>
+                            <p:childTnLst>
+                              <p:par>
+                                <p:cTn id="148" presetID="22" presetClass="exit" presetSubtype="4" fill="hold" grpId="1" nodeType="afterEffect">
+                                  <p:stCondLst>
+                                    <p:cond delay="1000"/>
+                                  </p:stCondLst>
+                                  <p:childTnLst>
+                                    <p:animEffect transition="out" filter="wipe(down)">
+                                      <p:cBhvr>
+                                        <p:cTn id="149" dur="500"/>
+                                        <p:tgtEl>
+                                          <p:spTgt spid="66"/>
+                                        </p:tgtEl>
+                                      </p:cBhvr>
+                                    </p:animEffect>
+                                    <p:set>
+                                      <p:cBhvr>
+                                        <p:cTn id="150" dur="1" fill="hold">
+                                          <p:stCondLst>
+                                            <p:cond delay="499"/>
+                                          </p:stCondLst>
+                                        </p:cTn>
+                                        <p:tgtEl>
+                                          <p:spTgt spid="66"/>
+                                        </p:tgtEl>
+                                        <p:attrNameLst>
+                                          <p:attrName>style.visibility</p:attrName>
+                                        </p:attrNameLst>
+                                      </p:cBhvr>
+                                      <p:to>
+                                        <p:strVal val="hidden"/>
+                                      </p:to>
+                                    </p:set>
+                                  </p:childTnLst>
+                                </p:cTn>
+                              </p:par>
+                              <p:par>
+                                <p:cTn id="151" presetID="22" presetClass="exit" presetSubtype="4" fill="hold" grpId="1" nodeType="withEffect">
+                                  <p:stCondLst>
+                                    <p:cond delay="1000"/>
+                                  </p:stCondLst>
+                                  <p:childTnLst>
+                                    <p:animEffect transition="out" filter="wipe(down)">
+                                      <p:cBhvr>
+                                        <p:cTn id="152" dur="500"/>
+                                        <p:tgtEl>
+                                          <p:spTgt spid="67"/>
+                                        </p:tgtEl>
+                                      </p:cBhvr>
+                                    </p:animEffect>
+                                    <p:set>
+                                      <p:cBhvr>
+                                        <p:cTn id="153" dur="1" fill="hold">
+                                          <p:stCondLst>
+                                            <p:cond delay="499"/>
+                                          </p:stCondLst>
+                                        </p:cTn>
+                                        <p:tgtEl>
+                                          <p:spTgt spid="67"/>
+                                        </p:tgtEl>
+                                        <p:attrNameLst>
+                                          <p:attrName>style.visibility</p:attrName>
+                                        </p:attrNameLst>
+                                      </p:cBhvr>
+                                      <p:to>
+                                        <p:strVal val="hidden"/>
+                                      </p:to>
+                                    </p:set>
+                                  </p:childTnLst>
+                                </p:cTn>
+                              </p:par>
+                              <p:par>
+                                <p:cTn id="154" presetID="22" presetClass="exit" presetSubtype="4" fill="hold" grpId="1" nodeType="withEffect">
+                                  <p:stCondLst>
+                                    <p:cond delay="1000"/>
+                                  </p:stCondLst>
+                                  <p:childTnLst>
+                                    <p:animEffect transition="out" filter="wipe(down)">
+                                      <p:cBhvr>
+                                        <p:cTn id="155" dur="500"/>
+                                        <p:tgtEl>
+                                          <p:spTgt spid="68"/>
+                                        </p:tgtEl>
+                                      </p:cBhvr>
+                                    </p:animEffect>
+                                    <p:set>
+                                      <p:cBhvr>
+                                        <p:cTn id="156" dur="1" fill="hold">
+                                          <p:stCondLst>
+                                            <p:cond delay="499"/>
+                                          </p:stCondLst>
+                                        </p:cTn>
+                                        <p:tgtEl>
+                                          <p:spTgt spid="68"/>
+                                        </p:tgtEl>
+                                        <p:attrNameLst>
+                                          <p:attrName>style.visibility</p:attrName>
+                                        </p:attrNameLst>
+                                      </p:cBhvr>
+                                      <p:to>
+                                        <p:strVal val="hidden"/>
+                                      </p:to>
+                                    </p:set>
+                                  </p:childTnLst>
+                                </p:cTn>
+                              </p:par>
+                            </p:childTnLst>
+                          </p:cTn>
+                        </p:par>
+                        <p:par>
+                          <p:cTn id="157" fill="hold">
+                            <p:stCondLst>
+                              <p:cond delay="27250"/>
+                            </p:stCondLst>
+                            <p:childTnLst>
+                              <p:par>
+                                <p:cTn id="158" presetID="31" presetClass="entr" presetSubtype="0" fill="hold" nodeType="afterEffect">
+                                  <p:stCondLst>
+                                    <p:cond delay="1000"/>
+                                  </p:stCondLst>
+                                  <p:childTnLst>
+                                    <p:set>
+                                      <p:cBhvr>
+                                        <p:cTn id="159" dur="1" fill="hold">
+                                          <p:stCondLst>
+                                            <p:cond delay="0"/>
+                                          </p:stCondLst>
+                                        </p:cTn>
+                                        <p:tgtEl>
+                                          <p:spTgt spid="25"/>
+                                        </p:tgtEl>
+                                        <p:attrNameLst>
+                                          <p:attrName>style.visibility</p:attrName>
+                                        </p:attrNameLst>
+                                      </p:cBhvr>
+                                      <p:to>
+                                        <p:strVal val="visible"/>
+                                      </p:to>
+                                    </p:set>
+                                    <p:anim calcmode="lin" valueType="num">
+                                      <p:cBhvr>
+                                        <p:cTn id="160" dur="1000" fill="hold"/>
+                                        <p:tgtEl>
+                                          <p:spTgt spid="25"/>
+                                        </p:tgtEl>
+                                        <p:attrNameLst>
+                                          <p:attrName>ppt_w</p:attrName>
+                                        </p:attrNameLst>
+                                      </p:cBhvr>
+                                      <p:tavLst>
+                                        <p:tav tm="0">
+                                          <p:val>
+                                            <p:fltVal val="0"/>
+                                          </p:val>
+                                        </p:tav>
+                                        <p:tav tm="100000">
+                                          <p:val>
+                                            <p:strVal val="#ppt_w"/>
+                                          </p:val>
+                                        </p:tav>
+                                      </p:tavLst>
+                                    </p:anim>
+                                    <p:anim calcmode="lin" valueType="num">
+                                      <p:cBhvr>
+                                        <p:cTn id="161" dur="1000" fill="hold"/>
+                                        <p:tgtEl>
+                                          <p:spTgt spid="25"/>
+                                        </p:tgtEl>
+                                        <p:attrNameLst>
+                                          <p:attrName>ppt_h</p:attrName>
+                                        </p:attrNameLst>
+                                      </p:cBhvr>
+                                      <p:tavLst>
+                                        <p:tav tm="0">
+                                          <p:val>
+                                            <p:fltVal val="0"/>
+                                          </p:val>
+                                        </p:tav>
+                                        <p:tav tm="100000">
+                                          <p:val>
+                                            <p:strVal val="#ppt_h"/>
+                                          </p:val>
+                                        </p:tav>
+                                      </p:tavLst>
+                                    </p:anim>
+                                    <p:anim calcmode="lin" valueType="num">
+                                      <p:cBhvr>
+                                        <p:cTn id="162" dur="1000" fill="hold"/>
+                                        <p:tgtEl>
+                                          <p:spTgt spid="25"/>
+                                        </p:tgtEl>
+                                        <p:attrNameLst>
+                                          <p:attrName>style.rotation</p:attrName>
+                                        </p:attrNameLst>
+                                      </p:cBhvr>
+                                      <p:tavLst>
+                                        <p:tav tm="0">
+                                          <p:val>
+                                            <p:fltVal val="90"/>
+                                          </p:val>
+                                        </p:tav>
+                                        <p:tav tm="100000">
+                                          <p:val>
+                                            <p:fltVal val="0"/>
+                                          </p:val>
+                                        </p:tav>
+                                      </p:tavLst>
+                                    </p:anim>
+                                    <p:animEffect transition="in" filter="fade">
+                                      <p:cBhvr>
+                                        <p:cTn id="163" dur="1000"/>
+                                        <p:tgtEl>
+                                          <p:spTgt spid="25"/>
+                                        </p:tgtEl>
+                                      </p:cBhvr>
+                                    </p:animEffect>
+                                  </p:childTnLst>
+                                </p:cTn>
+                              </p:par>
+                            </p:childTnLst>
+                          </p:cTn>
+                        </p:par>
+                        <p:par>
+                          <p:cTn id="164" fill="hold">
+                            <p:stCondLst>
+                              <p:cond delay="29250"/>
+                            </p:stCondLst>
+                            <p:childTnLst>
+                              <p:par>
+                                <p:cTn id="165" presetID="23" presetClass="entr" presetSubtype="16" fill="hold" grpId="25" nodeType="afterEffect">
+                                  <p:stCondLst>
+                                    <p:cond delay="0"/>
+                                  </p:stCondLst>
+                                  <p:childTnLst>
+                                    <p:set>
+                                      <p:cBhvr>
+                                        <p:cTn id="166" dur="1" fill="hold">
+                                          <p:stCondLst>
+                                            <p:cond delay="0"/>
+                                          </p:stCondLst>
+                                        </p:cTn>
+                                        <p:tgtEl>
+                                          <p:spTgt spid="29"/>
+                                        </p:tgtEl>
+                                        <p:attrNameLst>
+                                          <p:attrName>style.visibility</p:attrName>
+                                        </p:attrNameLst>
+                                      </p:cBhvr>
+                                      <p:to>
+                                        <p:strVal val="visible"/>
+                                      </p:to>
+                                    </p:set>
+                                    <p:anim calcmode="lin" valueType="num">
+                                      <p:cBhvr>
+                                        <p:cTn id="167" dur="500" fill="hold"/>
+                                        <p:tgtEl>
+                                          <p:spTgt spid="29"/>
+                                        </p:tgtEl>
+                                        <p:attrNameLst>
+                                          <p:attrName>ppt_w</p:attrName>
+                                        </p:attrNameLst>
+                                      </p:cBhvr>
+                                      <p:tavLst>
+                                        <p:tav tm="0">
+                                          <p:val>
+                                            <p:fltVal val="0"/>
+                                          </p:val>
+                                        </p:tav>
+                                        <p:tav tm="100000">
+                                          <p:val>
+                                            <p:strVal val="#ppt_w"/>
+                                          </p:val>
+                                        </p:tav>
+                                      </p:tavLst>
+                                    </p:anim>
+                                    <p:anim calcmode="lin" valueType="num">
+                                      <p:cBhvr>
+                                        <p:cTn id="168" dur="500" fill="hold"/>
+                                        <p:tgtEl>
+                                          <p:spTgt spid="29"/>
+                                        </p:tgtEl>
+                                        <p:attrNameLst>
+                                          <p:attrName>ppt_h</p:attrName>
+                                        </p:attrNameLst>
+                                      </p:cBhvr>
+                                      <p:tavLst>
+                                        <p:tav tm="0">
+                                          <p:val>
+                                            <p:fltVal val="0"/>
+                                          </p:val>
+                                        </p:tav>
+                                        <p:tav tm="100000">
+                                          <p:val>
+                                            <p:strVal val="#ppt_h"/>
+                                          </p:val>
+                                        </p:tav>
+                                      </p:tavLst>
+                                    </p:anim>
+                                  </p:childTnLst>
+                                </p:cTn>
+                              </p:par>
+                              <p:par>
+                                <p:cTn id="169" presetID="23" presetClass="entr" presetSubtype="16" fill="hold" grpId="25" nodeType="withEffect">
+                                  <p:stCondLst>
+                                    <p:cond delay="0"/>
+                                  </p:stCondLst>
+                                  <p:childTnLst>
+                                    <p:set>
+                                      <p:cBhvr>
+                                        <p:cTn id="170" dur="1" fill="hold">
+                                          <p:stCondLst>
+                                            <p:cond delay="0"/>
+                                          </p:stCondLst>
+                                        </p:cTn>
+                                        <p:tgtEl>
+                                          <p:spTgt spid="28"/>
+                                        </p:tgtEl>
+                                        <p:attrNameLst>
+                                          <p:attrName>style.visibility</p:attrName>
+                                        </p:attrNameLst>
+                                      </p:cBhvr>
+                                      <p:to>
+                                        <p:strVal val="visible"/>
+                                      </p:to>
+                                    </p:set>
+                                    <p:anim calcmode="lin" valueType="num">
+                                      <p:cBhvr>
+                                        <p:cTn id="171" dur="500" fill="hold"/>
+                                        <p:tgtEl>
+                                          <p:spTgt spid="28"/>
+                                        </p:tgtEl>
+                                        <p:attrNameLst>
+                                          <p:attrName>ppt_w</p:attrName>
+                                        </p:attrNameLst>
+                                      </p:cBhvr>
+                                      <p:tavLst>
+                                        <p:tav tm="0">
+                                          <p:val>
+                                            <p:fltVal val="0"/>
+                                          </p:val>
+                                        </p:tav>
+                                        <p:tav tm="100000">
+                                          <p:val>
+                                            <p:strVal val="#ppt_w"/>
+                                          </p:val>
+                                        </p:tav>
+                                      </p:tavLst>
+                                    </p:anim>
+                                    <p:anim calcmode="lin" valueType="num">
+                                      <p:cBhvr>
+                                        <p:cTn id="172" dur="500" fill="hold"/>
+                                        <p:tgtEl>
+                                          <p:spTgt spid="28"/>
+                                        </p:tgtEl>
+                                        <p:attrNameLst>
+                                          <p:attrName>ppt_h</p:attrName>
+                                        </p:attrNameLst>
+                                      </p:cBhvr>
+                                      <p:tavLst>
+                                        <p:tav tm="0">
+                                          <p:val>
+                                            <p:fltVal val="0"/>
+                                          </p:val>
+                                        </p:tav>
+                                        <p:tav tm="100000">
+                                          <p:val>
+                                            <p:strVal val="#ppt_h"/>
+                                          </p:val>
+                                        </p:tav>
+                                      </p:tavLst>
+                                    </p:anim>
+                                  </p:childTnLst>
+                                </p:cTn>
+                              </p:par>
+                            </p:childTnLst>
+                          </p:cTn>
+                        </p:par>
+                        <p:par>
+                          <p:cTn id="173" fill="hold">
+                            <p:stCondLst>
+                              <p:cond delay="29750"/>
+                            </p:stCondLst>
+                            <p:childTnLst>
+                              <p:par>
+                                <p:cTn id="174" presetID="56" presetClass="entr" presetSubtype="0" fill="hold" grpId="6" nodeType="afterEffect">
                                   <p:stCondLst>
                                     <p:cond delay="0"/>
                                   </p:stCondLst>
@@ -6575,7 +6935,7 @@
                                   <p:childTnLst>
                                     <p:set>
                                       <p:cBhvr>
-                                        <p:cTn id="157" dur="1" fill="hold">
+                                        <p:cTn id="175" dur="1" fill="hold">
                                           <p:stCondLst>
                                             <p:cond delay="0"/>
                                           </p:stCondLst>
@@ -6593,7 +6953,7 @@
                                     </p:set>
                                     <p:anim by="(-#ppt_w*2)" calcmode="lin" valueType="num">
                                       <p:cBhvr rctx="PPT">
-                                        <p:cTn id="158" dur="500" autoRev="1" fill="hold">
+                                        <p:cTn id="176" dur="500" autoRev="1" fill="hold">
                                           <p:stCondLst>
                                             <p:cond delay="0"/>
                                           </p:stCondLst>
@@ -6608,7 +6968,7 @@
                                     </p:anim>
                                     <p:anim by="(#ppt_w*0.50)" calcmode="lin" valueType="num">
                                       <p:cBhvr>
-                                        <p:cTn id="159" dur="500" decel="50000" autoRev="1" fill="hold">
+                                        <p:cTn id="177" dur="500" decel="50000" autoRev="1" fill="hold">
                                           <p:stCondLst>
                                             <p:cond delay="0"/>
                                           </p:stCondLst>
@@ -6623,7 +6983,7 @@
                                     </p:anim>
                                     <p:anim from="(-#ppt_h/2)" to="(#ppt_y)" calcmode="lin" valueType="num">
                                       <p:cBhvr>
-                                        <p:cTn id="160" dur="1000" fill="hold">
+                                        <p:cTn id="178" dur="1000" fill="hold">
                                           <p:stCondLst>
                                             <p:cond delay="0"/>
                                           </p:stCondLst>
@@ -6638,7 +6998,7 @@
                                     </p:anim>
                                     <p:animRot by="21600000">
                                       <p:cBhvr>
-                                        <p:cTn id="161" dur="1000" fill="hold">
+                                        <p:cTn id="179" dur="1000" fill="hold">
                                           <p:stCondLst>
                                             <p:cond delay="0"/>
                                           </p:stCondLst>
@@ -6651,6 +7011,169 @@
                                         </p:attrNameLst>
                                       </p:cBhvr>
                                     </p:animRot>
+                                  </p:childTnLst>
+                                </p:cTn>
+                              </p:par>
+                            </p:childTnLst>
+                          </p:cTn>
+                        </p:par>
+                      </p:childTnLst>
+                    </p:cTn>
+                  </p:par>
+                  <p:par>
+                    <p:cTn id="180" fill="hold">
+                      <p:stCondLst>
+                        <p:cond delay="indefinite"/>
+                      </p:stCondLst>
+                      <p:childTnLst>
+                        <p:par>
+                          <p:cTn id="181" fill="hold">
+                            <p:stCondLst>
+                              <p:cond delay="0"/>
+                            </p:stCondLst>
+                            <p:childTnLst>
+                              <p:par>
+                                <p:cTn id="182" presetID="41" presetClass="entr" presetSubtype="0" fill="hold" grpId="29" nodeType="clickEffect">
+                                  <p:stCondLst>
+                                    <p:cond delay="0"/>
+                                  </p:stCondLst>
+                                  <p:iterate type="lt">
+                                    <p:tmPct val="10000"/>
+                                  </p:iterate>
+                                  <p:childTnLst>
+                                    <p:set>
+                                      <p:cBhvr>
+                                        <p:cTn id="183" dur="1" fill="hold">
+                                          <p:stCondLst>
+                                            <p:cond delay="0"/>
+                                          </p:stCondLst>
+                                        </p:cTn>
+                                        <p:tgtEl>
+                                          <p:spTgt spid="11"/>
+                                        </p:tgtEl>
+                                        <p:attrNameLst>
+                                          <p:attrName>style.visibility</p:attrName>
+                                        </p:attrNameLst>
+                                      </p:cBhvr>
+                                      <p:to>
+                                        <p:strVal val="visible"/>
+                                      </p:to>
+                                    </p:set>
+                                    <p:anim calcmode="lin" valueType="num">
+                                      <p:cBhvr>
+                                        <p:cTn id="184" dur="500" fill="hold"/>
+                                        <p:tgtEl>
+                                          <p:spTgt spid="11"/>
+                                        </p:tgtEl>
+                                        <p:attrNameLst>
+                                          <p:attrName>ppt_x</p:attrName>
+                                        </p:attrNameLst>
+                                      </p:cBhvr>
+                                      <p:tavLst>
+                                        <p:tav tm="0">
+                                          <p:val>
+                                            <p:strVal val="#ppt_x"/>
+                                          </p:val>
+                                        </p:tav>
+                                        <p:tav tm="50000">
+                                          <p:val>
+                                            <p:strVal val="#ppt_x+.1"/>
+                                          </p:val>
+                                        </p:tav>
+                                        <p:tav tm="100000">
+                                          <p:val>
+                                            <p:strVal val="#ppt_x"/>
+                                          </p:val>
+                                        </p:tav>
+                                      </p:tavLst>
+                                    </p:anim>
+                                    <p:anim calcmode="lin" valueType="num">
+                                      <p:cBhvr>
+                                        <p:cTn id="185" dur="500" fill="hold"/>
+                                        <p:tgtEl>
+                                          <p:spTgt spid="11"/>
+                                        </p:tgtEl>
+                                        <p:attrNameLst>
+                                          <p:attrName>ppt_y</p:attrName>
+                                        </p:attrNameLst>
+                                      </p:cBhvr>
+                                      <p:tavLst>
+                                        <p:tav tm="0">
+                                          <p:val>
+                                            <p:strVal val="#ppt_y"/>
+                                          </p:val>
+                                        </p:tav>
+                                        <p:tav tm="100000">
+                                          <p:val>
+                                            <p:strVal val="#ppt_y"/>
+                                          </p:val>
+                                        </p:tav>
+                                      </p:tavLst>
+                                    </p:anim>
+                                    <p:anim calcmode="lin" valueType="num">
+                                      <p:cBhvr>
+                                        <p:cTn id="186" dur="500" fill="hold"/>
+                                        <p:tgtEl>
+                                          <p:spTgt spid="11"/>
+                                        </p:tgtEl>
+                                        <p:attrNameLst>
+                                          <p:attrName>ppt_h</p:attrName>
+                                        </p:attrNameLst>
+                                      </p:cBhvr>
+                                      <p:tavLst>
+                                        <p:tav tm="0">
+                                          <p:val>
+                                            <p:strVal val="#ppt_h/10"/>
+                                          </p:val>
+                                        </p:tav>
+                                        <p:tav tm="50000">
+                                          <p:val>
+                                            <p:strVal val="#ppt_h+.01"/>
+                                          </p:val>
+                                        </p:tav>
+                                        <p:tav tm="100000">
+                                          <p:val>
+                                            <p:strVal val="#ppt_h"/>
+                                          </p:val>
+                                        </p:tav>
+                                      </p:tavLst>
+                                    </p:anim>
+                                    <p:anim calcmode="lin" valueType="num">
+                                      <p:cBhvr>
+                                        <p:cTn id="187" dur="500" fill="hold"/>
+                                        <p:tgtEl>
+                                          <p:spTgt spid="11"/>
+                                        </p:tgtEl>
+                                        <p:attrNameLst>
+                                          <p:attrName>ppt_w</p:attrName>
+                                        </p:attrNameLst>
+                                      </p:cBhvr>
+                                      <p:tavLst>
+                                        <p:tav tm="0">
+                                          <p:val>
+                                            <p:strVal val="#ppt_w/10"/>
+                                          </p:val>
+                                        </p:tav>
+                                        <p:tav tm="50000">
+                                          <p:val>
+                                            <p:strVal val="#ppt_w+.01"/>
+                                          </p:val>
+                                        </p:tav>
+                                        <p:tav tm="100000">
+                                          <p:val>
+                                            <p:strVal val="#ppt_w"/>
+                                          </p:val>
+                                        </p:tav>
+                                      </p:tavLst>
+                                    </p:anim>
+                                    <p:animEffect transition="in" filter="fade">
+                                      <p:cBhvr>
+                                        <p:cTn id="188" dur="500" tmFilter="0,0; .5, 1; 1, 1"/>
+                                        <p:tgtEl>
+                                          <p:spTgt spid="11"/>
+                                        </p:tgtEl>
+                                      </p:cBhvr>
+                                    </p:animEffect>
                                   </p:childTnLst>
                                 </p:cTn>
                               </p:par>
@@ -6772,7 +7295,7 @@
       <p:bldP spid="35" grpId="29" animBg="1"/>
       <p:bldP spid="38" grpId="29" animBg="1"/>
       <p:bldP spid="40" grpId="29"/>
-      <p:bldP spid="35" grpId="30" animBg="1"/>
+      <p:bldP spid="35" grpId="30" bldLvl="0" animBg="1"/>
       <p:bldP spid="38" grpId="30" animBg="1"/>
       <p:bldP spid="40" grpId="30"/>
       <p:bldP spid="37" grpId="0" animBg="1"/>
@@ -6815,7 +7338,7 @@
       <p:bldP spid="37" grpId="13" animBg="1"/>
       <p:bldP spid="39" grpId="13"/>
       <p:bldP spid="34" grpId="11" animBg="1"/>
-      <p:bldP spid="37" grpId="14" animBg="1"/>
+      <p:bldP spid="37" grpId="14" bldLvl="0" animBg="1"/>
       <p:bldP spid="39" grpId="14"/>
       <p:bldP spid="42" grpId="0" animBg="1"/>
       <p:bldP spid="44" grpId="0" animBg="1"/>
@@ -6825,8 +7348,8 @@
       <p:bldP spid="44" grpId="2" animBg="1"/>
       <p:bldP spid="42" grpId="3" animBg="1"/>
       <p:bldP spid="44" grpId="3" animBg="1"/>
-      <p:bldP spid="42" grpId="4" animBg="1"/>
-      <p:bldP spid="44" grpId="4" animBg="1"/>
+      <p:bldP spid="42" grpId="4" bldLvl="0" animBg="1"/>
+      <p:bldP spid="44" grpId="4" bldLvl="0" animBg="1"/>
       <p:bldP spid="45" grpId="0"/>
       <p:bldP spid="45" grpId="1"/>
       <p:bldP spid="45" grpId="2"/>
@@ -6888,8 +7411,8 @@
       <p:bldP spid="62" grpId="10" animBg="1"/>
       <p:bldP spid="64" grpId="10" animBg="1"/>
       <p:bldP spid="65" grpId="10"/>
-      <p:bldP spid="62" grpId="11" animBg="1"/>
-      <p:bldP spid="64" grpId="11" animBg="1"/>
+      <p:bldP spid="62" grpId="11" bldLvl="0" animBg="1"/>
+      <p:bldP spid="64" grpId="11" bldLvl="0" animBg="1"/>
       <p:bldP spid="65" grpId="11"/>
       <p:bldP spid="62" grpId="12" animBg="1"/>
       <p:bldP spid="64" grpId="12" animBg="1"/>
@@ -6909,8 +7432,8 @@
       <p:bldP spid="62" grpId="17" animBg="1"/>
       <p:bldP spid="64" grpId="17" animBg="1"/>
       <p:bldP spid="65" grpId="17"/>
-      <p:bldP spid="62" grpId="18" animBg="1"/>
-      <p:bldP spid="64" grpId="18" animBg="1"/>
+      <p:bldP spid="62" grpId="18" bldLvl="0" animBg="1"/>
+      <p:bldP spid="64" grpId="18" bldLvl="0" animBg="1"/>
       <p:bldP spid="65" grpId="18"/>
       <p:bldP spid="23" grpId="0" animBg="1"/>
       <p:bldP spid="24" grpId="0"/>
@@ -6944,14 +7467,14 @@
       <p:bldP spid="20" grpId="9" animBg="1"/>
       <p:bldP spid="23" grpId="10" animBg="1"/>
       <p:bldP spid="24" grpId="10"/>
-      <p:bldP spid="20" grpId="10" animBg="1"/>
-      <p:bldP spid="23" grpId="11" animBg="1"/>
+      <p:bldP spid="20" grpId="10" bldLvl="0" animBg="1"/>
+      <p:bldP spid="23" grpId="11" bldLvl="0" animBg="1"/>
       <p:bldP spid="24" grpId="11"/>
-      <p:bldP spid="66" grpId="0" animBg="1"/>
-      <p:bldP spid="67" grpId="0" animBg="1"/>
+      <p:bldP spid="66" grpId="0" bldLvl="0" animBg="1"/>
+      <p:bldP spid="67" grpId="0" bldLvl="0" animBg="1"/>
       <p:bldP spid="68" grpId="0"/>
-      <p:bldP spid="66" grpId="1" animBg="1"/>
-      <p:bldP spid="67" grpId="1" animBg="1"/>
+      <p:bldP spid="66" grpId="1" bldLvl="0" animBg="1"/>
+      <p:bldP spid="67" grpId="1" bldLvl="0" animBg="1"/>
       <p:bldP spid="68" grpId="1"/>
       <p:bldP spid="29" grpId="0" animBg="1"/>
       <p:bldP spid="28" grpId="0" animBg="1"/>
@@ -7004,7 +7527,7 @@
       <p:bldP spid="29" grpId="24" animBg="1"/>
       <p:bldP spid="28" grpId="24" animBg="1"/>
       <p:bldP spid="29" grpId="25" bldLvl="0" animBg="1"/>
-      <p:bldP spid="28" grpId="25" animBg="1"/>
+      <p:bldP spid="28" grpId="25" bldLvl="0" animBg="1"/>
       <p:bldP spid="33" grpId="0"/>
       <p:bldP spid="33" grpId="1"/>
       <p:bldP spid="33" grpId="2"/>
@@ -7012,6 +7535,48 @@
       <p:bldP spid="33" grpId="4"/>
       <p:bldP spid="33" grpId="5"/>
       <p:bldP spid="33" grpId="6"/>
+      <p:bldP spid="39" grpId="15"/>
+      <p:bldP spid="39" grpId="16"/>
+      <p:bldP spid="39" grpId="17"/>
+      <p:bldP spid="39" grpId="18"/>
+      <p:bldP spid="39" grpId="19"/>
+      <p:bldP spid="39" grpId="20"/>
+      <p:bldP spid="39" grpId="21"/>
+      <p:bldP spid="40" grpId="31"/>
+      <p:bldP spid="40" grpId="32"/>
+      <p:bldP spid="40" grpId="33"/>
+      <p:bldP spid="40" grpId="34"/>
+      <p:bldP spid="40" grpId="35"/>
+      <p:bldP spid="11" grpId="0"/>
+      <p:bldP spid="11" grpId="1"/>
+      <p:bldP spid="11" grpId="2"/>
+      <p:bldP spid="11" grpId="3"/>
+      <p:bldP spid="11" grpId="4"/>
+      <p:bldP spid="11" grpId="5"/>
+      <p:bldP spid="11" grpId="6"/>
+      <p:bldP spid="11" grpId="7"/>
+      <p:bldP spid="11" grpId="8"/>
+      <p:bldP spid="11" grpId="9"/>
+      <p:bldP spid="11" grpId="10"/>
+      <p:bldP spid="11" grpId="11"/>
+      <p:bldP spid="11" grpId="12"/>
+      <p:bldP spid="11" grpId="13"/>
+      <p:bldP spid="11" grpId="14"/>
+      <p:bldP spid="11" grpId="15"/>
+      <p:bldP spid="11" grpId="16"/>
+      <p:bldP spid="11" grpId="17"/>
+      <p:bldP spid="11" grpId="18"/>
+      <p:bldP spid="11" grpId="19"/>
+      <p:bldP spid="11" grpId="20"/>
+      <p:bldP spid="11" grpId="21"/>
+      <p:bldP spid="11" grpId="22"/>
+      <p:bldP spid="11" grpId="23"/>
+      <p:bldP spid="11" grpId="24"/>
+      <p:bldP spid="11" grpId="25"/>
+      <p:bldP spid="11" grpId="26"/>
+      <p:bldP spid="11" grpId="27"/>
+      <p:bldP spid="11" grpId="28"/>
+      <p:bldP spid="11" grpId="29"/>
     </p:bldLst>
   </p:timing>
 </p:sld>
